--- a/Projects/Web Scraping/Web Scraping Project.pptx
+++ b/Projects/Web Scraping/Web Scraping Project.pptx
@@ -6,14 +6,15 @@
   </p:sldMasterIdLst>
   <p:sldIdLst>
     <p:sldId id="256" r:id="rId2"/>
-    <p:sldId id="257" r:id="rId3"/>
-    <p:sldId id="258" r:id="rId4"/>
-    <p:sldId id="259" r:id="rId5"/>
-    <p:sldId id="260" r:id="rId6"/>
-    <p:sldId id="261" r:id="rId7"/>
-    <p:sldId id="262" r:id="rId8"/>
-    <p:sldId id="263" r:id="rId9"/>
-    <p:sldId id="264" r:id="rId10"/>
+    <p:sldId id="265" r:id="rId3"/>
+    <p:sldId id="257" r:id="rId4"/>
+    <p:sldId id="258" r:id="rId5"/>
+    <p:sldId id="259" r:id="rId6"/>
+    <p:sldId id="260" r:id="rId7"/>
+    <p:sldId id="261" r:id="rId8"/>
+    <p:sldId id="262" r:id="rId9"/>
+    <p:sldId id="263" r:id="rId10"/>
+    <p:sldId id="264" r:id="rId11"/>
   </p:sldIdLst>
   <p:sldSz cx="12192000" cy="6858000"/>
   <p:notesSz cx="6858000" cy="9144000"/>
@@ -112,6 +113,11 @@
       </a:defRPr>
     </a:lvl9pPr>
   </p:defaultTextStyle>
+  <p:extLst>
+    <p:ext uri="{EFAFB233-063F-42B5-8137-9DF3F51BA10A}">
+      <p15:sldGuideLst xmlns:p15="http://schemas.microsoft.com/office/powerpoint/2012/main"/>
+    </p:ext>
+  </p:extLst>
 </p:presentation>
 </file>
 
@@ -264,7 +270,7 @@
           <a:p>
             <a:fld id="{12241623-A064-4BED-B073-BA4D61433402}" type="datetime1">
               <a:rPr lang="en-US" smtClean="0"/>
-              <a:t>9/11/2020</a:t>
+              <a:t>9/14/2020</a:t>
             </a:fld>
             <a:endParaRPr lang="en-US" dirty="0"/>
           </a:p>
@@ -465,7 +471,7 @@
           <a:p>
             <a:fld id="{6F86ED0C-1DA7-41F0-94CF-6218B1FEDFF1}" type="datetime1">
               <a:rPr lang="en-US" smtClean="0"/>
-              <a:t>9/11/2020</a:t>
+              <a:t>9/14/2020</a:t>
             </a:fld>
             <a:endParaRPr lang="en-US" dirty="0"/>
           </a:p>
@@ -677,7 +683,7 @@
           <a:p>
             <a:fld id="{EECF02AB-6034-4B88-BC5A-7C17CB0EF809}" type="datetime1">
               <a:rPr lang="en-US" smtClean="0"/>
-              <a:t>9/11/2020</a:t>
+              <a:t>9/14/2020</a:t>
             </a:fld>
             <a:endParaRPr lang="en-US" dirty="0"/>
           </a:p>
@@ -878,7 +884,7 @@
           <a:p>
             <a:fld id="{22F3E5F3-28EE-488F-BD53-B744C06C3DEC}" type="datetime1">
               <a:rPr lang="en-US" smtClean="0"/>
-              <a:t>9/11/2020</a:t>
+              <a:t>9/14/2020</a:t>
             </a:fld>
             <a:endParaRPr lang="en-US" dirty="0"/>
           </a:p>
@@ -1156,7 +1162,7 @@
           <a:p>
             <a:fld id="{E72EB70D-CD01-44DA-83B3-8FEB3383D307}" type="datetime1">
               <a:rPr lang="en-US" smtClean="0"/>
-              <a:t>9/11/2020</a:t>
+              <a:t>9/14/2020</a:t>
             </a:fld>
             <a:endParaRPr lang="en-US" dirty="0"/>
           </a:p>
@@ -1426,7 +1432,7 @@
           <a:p>
             <a:fld id="{D0158CFD-9357-46BE-A189-D637A67C8730}" type="datetime1">
               <a:rPr lang="en-US" smtClean="0"/>
-              <a:t>9/11/2020</a:t>
+              <a:t>9/14/2020</a:t>
             </a:fld>
             <a:endParaRPr lang="en-US" dirty="0"/>
           </a:p>
@@ -1843,7 +1849,7 @@
           <a:p>
             <a:fld id="{7B4742EE-B331-4632-BD10-A82FED6B6FC0}" type="datetime1">
               <a:rPr lang="en-US" smtClean="0"/>
-              <a:t>9/11/2020</a:t>
+              <a:t>9/14/2020</a:t>
             </a:fld>
             <a:endParaRPr lang="en-US" dirty="0"/>
           </a:p>
@@ -1987,7 +1993,7 @@
           <a:p>
             <a:fld id="{451BA835-D13F-49F4-8F11-5D576AC65FAD}" type="datetime1">
               <a:rPr lang="en-US" smtClean="0"/>
-              <a:t>9/11/2020</a:t>
+              <a:t>9/14/2020</a:t>
             </a:fld>
             <a:endParaRPr lang="en-US" dirty="0"/>
           </a:p>
@@ -2102,7 +2108,7 @@
           <a:p>
             <a:fld id="{ADBD1799-ACB5-4CB2-86A2-5C574F1C8706}" type="datetime1">
               <a:rPr lang="en-US" smtClean="0"/>
-              <a:t>9/11/2020</a:t>
+              <a:t>9/14/2020</a:t>
             </a:fld>
             <a:endParaRPr lang="en-US" dirty="0"/>
           </a:p>
@@ -2417,7 +2423,7 @@
           <a:p>
             <a:fld id="{ED5DD0D6-7A82-473E-879B-C6ECD6CCCFEC}" type="datetime1">
               <a:rPr lang="en-US" smtClean="0"/>
-              <a:t>9/11/2020</a:t>
+              <a:t>9/14/2020</a:t>
             </a:fld>
             <a:endParaRPr lang="en-US" dirty="0"/>
           </a:p>
@@ -2708,7 +2714,7 @@
           <a:p>
             <a:fld id="{D4605E03-BC17-41A7-854C-DFAB672737DC}" type="datetime1">
               <a:rPr lang="en-US" smtClean="0"/>
-              <a:t>9/11/2020</a:t>
+              <a:t>9/14/2020</a:t>
             </a:fld>
             <a:endParaRPr lang="en-US" dirty="0"/>
           </a:p>
@@ -2953,7 +2959,7 @@
           <a:p>
             <a:fld id="{C4408324-A84C-4A45-93B6-78D079CCE772}" type="datetime1">
               <a:rPr lang="en-US" smtClean="0"/>
-              <a:t>9/11/2020</a:t>
+              <a:t>9/14/2020</a:t>
             </a:fld>
             <a:endParaRPr lang="en-US" dirty="0"/>
           </a:p>
@@ -3892,2533 +3898,7 @@
 </p:sld>
 </file>
 
-<file path=ppt/slides/slide2.xml><?xml version="1.0" encoding="utf-8"?>
-<p:sld xmlns:a="http://schemas.openxmlformats.org/drawingml/2006/main" xmlns:r="http://schemas.openxmlformats.org/officeDocument/2006/relationships" xmlns:p="http://schemas.openxmlformats.org/presentationml/2006/main">
-  <p:cSld>
-    <p:bg>
-      <p:bgPr>
-        <a:solidFill>
-          <a:schemeClr val="bg1"/>
-        </a:solidFill>
-        <a:effectLst/>
-      </p:bgPr>
-    </p:bg>
-    <p:spTree>
-      <p:nvGrpSpPr>
-        <p:cNvPr id="1" name=""/>
-        <p:cNvGrpSpPr/>
-        <p:nvPr/>
-      </p:nvGrpSpPr>
-      <p:grpSpPr>
-        <a:xfrm>
-          <a:off x="0" y="0"/>
-          <a:ext cx="0" cy="0"/>
-          <a:chOff x="0" y="0"/>
-          <a:chExt cx="0" cy="0"/>
-        </a:xfrm>
-      </p:grpSpPr>
-      <p:sp>
-        <p:nvSpPr>
-          <p:cNvPr id="11" name="Rectangle 10">
-            <a:extLst>
-              <a:ext uri="{FF2B5EF4-FFF2-40B4-BE49-F238E27FC236}">
-                <a16:creationId xmlns:a16="http://schemas.microsoft.com/office/drawing/2014/main" id="{23962611-DFD5-4092-AAFD-559E3DFCE2C9}"/>
-              </a:ext>
-              <a:ext uri="{C183D7F6-B498-43B3-948B-1728B52AA6E4}">
-                <adec:decorative xmlns:adec="http://schemas.microsoft.com/office/drawing/2017/decorative" val="1"/>
-              </a:ext>
-            </a:extLst>
-          </p:cNvPr>
-          <p:cNvSpPr>
-            <a:spLocks noGrp="1" noRot="1" noChangeAspect="1" noMove="1" noResize="1" noEditPoints="1" noAdjustHandles="1" noChangeArrowheads="1" noChangeShapeType="1" noTextEdit="1"/>
-          </p:cNvSpPr>
-          <p:nvPr>
-            <p:extLst>
-              <p:ext uri="{386F3935-93C4-4BCD-93E2-E3B085C9AB24}">
-                <p16:designElem xmlns:p16="http://schemas.microsoft.com/office/powerpoint/2015/main" val="1"/>
-              </p:ext>
-            </p:extLst>
-          </p:nvPr>
-        </p:nvSpPr>
-        <p:spPr>
-          <a:xfrm>
-            <a:off x="475488" y="0"/>
-            <a:ext cx="10910292" cy="6858000"/>
-          </a:xfrm>
-          <a:prstGeom prst="rect">
-            <a:avLst/>
-          </a:prstGeom>
-          <a:gradFill>
-            <a:gsLst>
-              <a:gs pos="0">
-                <a:schemeClr val="accent1">
-                  <a:lumMod val="90000"/>
-                </a:schemeClr>
-              </a:gs>
-              <a:gs pos="25000">
-                <a:schemeClr val="accent1">
-                  <a:lumMod val="90000"/>
-                </a:schemeClr>
-              </a:gs>
-              <a:gs pos="94000">
-                <a:schemeClr val="bg2">
-                  <a:lumMod val="25000"/>
-                </a:schemeClr>
-              </a:gs>
-              <a:gs pos="100000">
-                <a:schemeClr val="bg2">
-                  <a:lumMod val="25000"/>
-                </a:schemeClr>
-              </a:gs>
-            </a:gsLst>
-            <a:lin ang="4200000" scaled="0"/>
-          </a:gradFill>
-          <a:ln>
-            <a:noFill/>
-          </a:ln>
-        </p:spPr>
-        <p:style>
-          <a:lnRef idx="2">
-            <a:schemeClr val="accent1">
-              <a:shade val="50000"/>
-            </a:schemeClr>
-          </a:lnRef>
-          <a:fillRef idx="1">
-            <a:schemeClr val="accent1"/>
-          </a:fillRef>
-          <a:effectRef idx="0">
-            <a:schemeClr val="accent1"/>
-          </a:effectRef>
-          <a:fontRef idx="minor">
-            <a:schemeClr val="lt1"/>
-          </a:fontRef>
-        </p:style>
-        <p:txBody>
-          <a:bodyPr rtlCol="0" anchor="ctr"/>
-          <a:lstStyle/>
-          <a:p>
-            <a:pPr algn="ctr"/>
-            <a:endParaRPr lang="en-US"/>
-          </a:p>
-        </p:txBody>
-      </p:sp>
-      <p:pic>
-        <p:nvPicPr>
-          <p:cNvPr id="13" name="Picture 12">
-            <a:extLst>
-              <a:ext uri="{FF2B5EF4-FFF2-40B4-BE49-F238E27FC236}">
-                <a16:creationId xmlns:a16="http://schemas.microsoft.com/office/drawing/2014/main" id="{2270F1FA-0425-408F-9861-80BF5AFB276D}"/>
-              </a:ext>
-              <a:ext uri="{C183D7F6-B498-43B3-948B-1728B52AA6E4}">
-                <adec:decorative xmlns:adec="http://schemas.microsoft.com/office/drawing/2017/decorative" val="1"/>
-              </a:ext>
-            </a:extLst>
-          </p:cNvPr>
-          <p:cNvPicPr>
-            <a:picLocks noGrp="1" noRot="1" noChangeAspect="1" noMove="1" noResize="1" noEditPoints="1" noAdjustHandles="1" noChangeArrowheads="1" noChangeShapeType="1" noCrop="1"/>
-          </p:cNvPicPr>
-          <p:nvPr>
-            <p:extLst>
-              <p:ext uri="{386F3935-93C4-4BCD-93E2-E3B085C9AB24}">
-                <p16:designElem xmlns:p16="http://schemas.microsoft.com/office/powerpoint/2015/main" val="1"/>
-              </p:ext>
-            </p:extLst>
-          </p:nvPr>
-        </p:nvPicPr>
-        <p:blipFill>
-          <a:blip r:embed="rId2">
-            <a:extLst>
-              <a:ext uri="{28A0092B-C50C-407E-A947-70E740481C1C}">
-                <a14:useLocalDpi xmlns:a14="http://schemas.microsoft.com/office/drawing/2010/main" val="0"/>
-              </a:ext>
-            </a:extLst>
-          </a:blip>
-          <a:stretch>
-            <a:fillRect/>
-          </a:stretch>
-        </p:blipFill>
-        <p:spPr>
-          <a:xfrm>
-            <a:off x="0" y="0"/>
-            <a:ext cx="12192000" cy="6858000"/>
-          </a:xfrm>
-          <a:prstGeom prst="rect">
-            <a:avLst/>
-          </a:prstGeom>
-        </p:spPr>
-      </p:pic>
-      <p:sp>
-        <p:nvSpPr>
-          <p:cNvPr id="5" name="Title 4">
-            <a:extLst>
-              <a:ext uri="{FF2B5EF4-FFF2-40B4-BE49-F238E27FC236}">
-                <a16:creationId xmlns:a16="http://schemas.microsoft.com/office/drawing/2014/main" id="{193FBE8D-44DA-411A-9D15-A607F7128A6B}"/>
-              </a:ext>
-            </a:extLst>
-          </p:cNvPr>
-          <p:cNvSpPr>
-            <a:spLocks noGrp="1"/>
-          </p:cNvSpPr>
-          <p:nvPr>
-            <p:ph type="title"/>
-          </p:nvPr>
-        </p:nvSpPr>
-        <p:spPr>
-          <a:xfrm>
-            <a:off x="3045368" y="2043663"/>
-            <a:ext cx="6105194" cy="2754840"/>
-          </a:xfrm>
-        </p:spPr>
-        <p:txBody>
-          <a:bodyPr vert="horz" lIns="91440" tIns="45720" rIns="91440" bIns="45720" rtlCol="0" anchor="b">
-            <a:noAutofit/>
-          </a:bodyPr>
-          <a:lstStyle/>
-          <a:p>
-            <a:pPr algn="ctr"/>
-            <a:r>
-              <a:rPr lang="en-US" sz="8800" b="1" kern="1200" dirty="0" err="1">
-                <a:solidFill>
-                  <a:srgbClr val="FFFFFF"/>
-                </a:solidFill>
-                <a:effectLst>
-                  <a:outerShdw blurRad="38100" dist="38100" dir="2700000" algn="tl">
-                    <a:srgbClr val="000000">
-                      <a:alpha val="43137"/>
-                    </a:srgbClr>
-                  </a:outerShdw>
-                </a:effectLst>
-                <a:latin typeface="+mj-lt"/>
-                <a:ea typeface="+mj-ea"/>
-                <a:cs typeface="+mj-cs"/>
-              </a:rPr>
-              <a:t>Hipothetical</a:t>
-            </a:r>
-            <a:r>
-              <a:rPr lang="en-US" sz="8800" b="1" kern="1200" dirty="0">
-                <a:solidFill>
-                  <a:srgbClr val="FFFFFF"/>
-                </a:solidFill>
-                <a:effectLst>
-                  <a:outerShdw blurRad="38100" dist="38100" dir="2700000" algn="tl">
-                    <a:srgbClr val="000000">
-                      <a:alpha val="43137"/>
-                    </a:srgbClr>
-                  </a:outerShdw>
-                </a:effectLst>
-                <a:latin typeface="+mj-lt"/>
-                <a:ea typeface="+mj-ea"/>
-                <a:cs typeface="+mj-cs"/>
-              </a:rPr>
-              <a:t> case</a:t>
-            </a:r>
-          </a:p>
-        </p:txBody>
-      </p:sp>
-    </p:spTree>
-    <p:extLst>
-      <p:ext uri="{BB962C8B-B14F-4D97-AF65-F5344CB8AC3E}">
-        <p14:creationId xmlns:p14="http://schemas.microsoft.com/office/powerpoint/2010/main" val="1615215944"/>
-      </p:ext>
-    </p:extLst>
-  </p:cSld>
-  <p:clrMapOvr>
-    <a:masterClrMapping/>
-  </p:clrMapOvr>
-</p:sld>
-</file>
-
-<file path=ppt/slides/slide3.xml><?xml version="1.0" encoding="utf-8"?>
-<p:sld xmlns:a="http://schemas.openxmlformats.org/drawingml/2006/main" xmlns:r="http://schemas.openxmlformats.org/officeDocument/2006/relationships" xmlns:p="http://schemas.openxmlformats.org/presentationml/2006/main">
-  <p:cSld>
-    <p:spTree>
-      <p:nvGrpSpPr>
-        <p:cNvPr id="1" name=""/>
-        <p:cNvGrpSpPr/>
-        <p:nvPr/>
-      </p:nvGrpSpPr>
-      <p:grpSpPr>
-        <a:xfrm>
-          <a:off x="0" y="0"/>
-          <a:ext cx="0" cy="0"/>
-          <a:chOff x="0" y="0"/>
-          <a:chExt cx="0" cy="0"/>
-        </a:xfrm>
-      </p:grpSpPr>
-      <p:sp>
-        <p:nvSpPr>
-          <p:cNvPr id="2" name="Title 1">
-            <a:extLst>
-              <a:ext uri="{FF2B5EF4-FFF2-40B4-BE49-F238E27FC236}">
-                <a16:creationId xmlns:a16="http://schemas.microsoft.com/office/drawing/2014/main" id="{4911D607-C2BA-46E2-9055-F1CC461C14B5}"/>
-              </a:ext>
-            </a:extLst>
-          </p:cNvPr>
-          <p:cNvSpPr>
-            <a:spLocks noGrp="1"/>
-          </p:cNvSpPr>
-          <p:nvPr>
-            <p:ph type="title"/>
-          </p:nvPr>
-        </p:nvSpPr>
-        <p:spPr>
-          <a:solidFill>
-            <a:schemeClr val="accent2"/>
-          </a:solidFill>
-        </p:spPr>
-        <p:txBody>
-          <a:bodyPr/>
-          <a:lstStyle/>
-          <a:p>
-            <a:r>
-              <a:rPr lang="pt-PT" b="1" dirty="0" err="1">
-                <a:solidFill>
-                  <a:schemeClr val="bg1"/>
-                </a:solidFill>
-                <a:effectLst>
-                  <a:outerShdw blurRad="38100" dist="38100" dir="2700000" algn="tl">
-                    <a:srgbClr val="000000">
-                      <a:alpha val="43137"/>
-                    </a:srgbClr>
-                  </a:outerShdw>
-                </a:effectLst>
-              </a:rPr>
-              <a:t>Hipothetical</a:t>
-            </a:r>
-            <a:r>
-              <a:rPr lang="pt-PT" b="1" dirty="0">
-                <a:solidFill>
-                  <a:schemeClr val="bg1"/>
-                </a:solidFill>
-                <a:effectLst>
-                  <a:outerShdw blurRad="38100" dist="38100" dir="2700000" algn="tl">
-                    <a:srgbClr val="000000">
-                      <a:alpha val="43137"/>
-                    </a:srgbClr>
-                  </a:outerShdw>
-                </a:effectLst>
-              </a:rPr>
-              <a:t> Case</a:t>
-            </a:r>
-            <a:endParaRPr lang="en-GB" b="1" dirty="0">
-              <a:solidFill>
-                <a:schemeClr val="bg1"/>
-              </a:solidFill>
-              <a:effectLst>
-                <a:outerShdw blurRad="38100" dist="38100" dir="2700000" algn="tl">
-                  <a:srgbClr val="000000">
-                    <a:alpha val="43137"/>
-                  </a:srgbClr>
-                </a:outerShdw>
-              </a:effectLst>
-            </a:endParaRPr>
-          </a:p>
-        </p:txBody>
-      </p:sp>
-      <p:sp>
-        <p:nvSpPr>
-          <p:cNvPr id="3" name="Content Placeholder 2">
-            <a:extLst>
-              <a:ext uri="{FF2B5EF4-FFF2-40B4-BE49-F238E27FC236}">
-                <a16:creationId xmlns:a16="http://schemas.microsoft.com/office/drawing/2014/main" id="{27D7FF7C-63FA-4E1C-9CA5-C6494564F2C5}"/>
-              </a:ext>
-            </a:extLst>
-          </p:cNvPr>
-          <p:cNvSpPr>
-            <a:spLocks noGrp="1"/>
-          </p:cNvSpPr>
-          <p:nvPr>
-            <p:ph idx="1"/>
-          </p:nvPr>
-        </p:nvSpPr>
-        <p:spPr/>
-        <p:txBody>
-          <a:bodyPr/>
-          <a:lstStyle/>
-          <a:p>
-            <a:pPr marL="0" indent="0">
-              <a:buNone/>
-            </a:pPr>
-            <a:r>
-              <a:rPr lang="pt-PT" sz="3200" b="1" dirty="0" err="1"/>
-              <a:t>Darty</a:t>
-            </a:r>
-            <a:r>
-              <a:rPr lang="pt-PT" sz="3200" b="1" dirty="0"/>
-              <a:t> </a:t>
-            </a:r>
-            <a:r>
-              <a:rPr lang="pt-PT" sz="3200" b="1" dirty="0" err="1"/>
-              <a:t>wants</a:t>
-            </a:r>
-            <a:r>
-              <a:rPr lang="pt-PT" sz="3200" b="1" dirty="0"/>
-              <a:t> </a:t>
-            </a:r>
-            <a:r>
-              <a:rPr lang="pt-PT" sz="3200" b="1" dirty="0" err="1"/>
-              <a:t>an</a:t>
-            </a:r>
-            <a:r>
-              <a:rPr lang="pt-PT" sz="3200" b="1" dirty="0"/>
-              <a:t> </a:t>
-            </a:r>
-            <a:r>
-              <a:rPr lang="pt-PT" sz="3200" b="1" dirty="0" err="1"/>
-              <a:t>analysis</a:t>
-            </a:r>
-            <a:r>
-              <a:rPr lang="pt-PT" sz="3200" b="1" dirty="0"/>
-              <a:t> </a:t>
-            </a:r>
-            <a:r>
-              <a:rPr lang="pt-PT" sz="3200" b="1" dirty="0" err="1"/>
-              <a:t>on</a:t>
-            </a:r>
-            <a:r>
-              <a:rPr lang="pt-PT" sz="3200" b="1" dirty="0"/>
-              <a:t> </a:t>
-            </a:r>
-            <a:r>
-              <a:rPr lang="pt-PT" sz="3200" b="1" dirty="0" err="1"/>
-              <a:t>the</a:t>
-            </a:r>
-            <a:r>
-              <a:rPr lang="pt-PT" sz="3200" b="1" dirty="0"/>
-              <a:t> </a:t>
-            </a:r>
-            <a:r>
-              <a:rPr lang="pt-PT" sz="3200" b="1" dirty="0" err="1"/>
-              <a:t>following</a:t>
-            </a:r>
-            <a:r>
-              <a:rPr lang="pt-PT" sz="3200" b="1" dirty="0"/>
-              <a:t> </a:t>
-            </a:r>
-            <a:r>
-              <a:rPr lang="pt-PT" sz="3200" b="1" dirty="0" err="1"/>
-              <a:t>points</a:t>
-            </a:r>
-            <a:r>
-              <a:rPr lang="pt-PT" sz="3200" b="1" dirty="0"/>
-              <a:t>:</a:t>
-            </a:r>
-          </a:p>
-          <a:p>
-            <a:endParaRPr lang="pt-PT" dirty="0"/>
-          </a:p>
-          <a:p>
-            <a:pPr marL="971550" lvl="1" indent="-514350">
-              <a:buFont typeface="+mj-lt"/>
-              <a:buAutoNum type="arabicPeriod"/>
-            </a:pPr>
-            <a:r>
-              <a:rPr lang="pt-PT" sz="3200" dirty="0" err="1"/>
-              <a:t>The</a:t>
-            </a:r>
-            <a:r>
-              <a:rPr lang="pt-PT" sz="3200" dirty="0"/>
-              <a:t> </a:t>
-            </a:r>
-            <a:r>
-              <a:rPr lang="pt-PT" sz="3200" dirty="0" err="1"/>
-              <a:t>best</a:t>
-            </a:r>
-            <a:r>
-              <a:rPr lang="pt-PT" sz="3200" dirty="0"/>
-              <a:t> </a:t>
-            </a:r>
-            <a:r>
-              <a:rPr lang="pt-PT" sz="3200" dirty="0" err="1"/>
-              <a:t>rated</a:t>
-            </a:r>
-            <a:r>
-              <a:rPr lang="pt-PT" sz="3200" dirty="0"/>
-              <a:t> </a:t>
-            </a:r>
-            <a:r>
-              <a:rPr lang="pt-PT" sz="3200" dirty="0" err="1"/>
-              <a:t>washing</a:t>
-            </a:r>
-            <a:r>
-              <a:rPr lang="pt-PT" sz="3200" dirty="0"/>
-              <a:t> </a:t>
-            </a:r>
-            <a:r>
-              <a:rPr lang="pt-PT" sz="3200" dirty="0" err="1"/>
-              <a:t>machines</a:t>
-            </a:r>
-            <a:r>
-              <a:rPr lang="pt-PT" sz="3200" dirty="0"/>
-              <a:t>;</a:t>
-            </a:r>
-          </a:p>
-          <a:p>
-            <a:pPr marL="971550" lvl="1" indent="-514350">
-              <a:buFont typeface="+mj-lt"/>
-              <a:buAutoNum type="arabicPeriod"/>
-            </a:pPr>
-            <a:r>
-              <a:rPr lang="pt-PT" sz="3200" dirty="0" err="1"/>
-              <a:t>The</a:t>
-            </a:r>
-            <a:r>
-              <a:rPr lang="pt-PT" sz="3200" dirty="0"/>
-              <a:t> </a:t>
-            </a:r>
-            <a:r>
-              <a:rPr lang="pt-PT" sz="3200" dirty="0" err="1"/>
-              <a:t>brands</a:t>
-            </a:r>
-            <a:r>
-              <a:rPr lang="pt-PT" sz="3200" dirty="0"/>
-              <a:t> </a:t>
-            </a:r>
-            <a:r>
-              <a:rPr lang="pt-PT" sz="3200" dirty="0" err="1"/>
-              <a:t>with</a:t>
-            </a:r>
-            <a:r>
-              <a:rPr lang="pt-PT" sz="3200" dirty="0"/>
-              <a:t> </a:t>
-            </a:r>
-            <a:r>
-              <a:rPr lang="pt-PT" sz="3200" dirty="0" err="1"/>
-              <a:t>most</a:t>
-            </a:r>
-            <a:r>
-              <a:rPr lang="pt-PT" sz="3200" dirty="0"/>
-              <a:t> </a:t>
-            </a:r>
-            <a:r>
-              <a:rPr lang="pt-PT" sz="3200" dirty="0" err="1"/>
-              <a:t>washing</a:t>
-            </a:r>
-            <a:r>
-              <a:rPr lang="pt-PT" sz="3200" dirty="0"/>
-              <a:t> </a:t>
-            </a:r>
-            <a:r>
-              <a:rPr lang="pt-PT" sz="3200" dirty="0" err="1"/>
-              <a:t>machines</a:t>
-            </a:r>
-            <a:r>
-              <a:rPr lang="pt-PT" sz="3200" dirty="0"/>
-              <a:t> out </a:t>
-            </a:r>
-            <a:r>
-              <a:rPr lang="pt-PT" sz="3200" dirty="0" err="1"/>
-              <a:t>of</a:t>
-            </a:r>
-            <a:r>
-              <a:rPr lang="pt-PT" sz="3200" dirty="0"/>
-              <a:t> stock</a:t>
-            </a:r>
-          </a:p>
-          <a:p>
-            <a:pPr marL="971550" lvl="1" indent="-514350">
-              <a:buFont typeface="+mj-lt"/>
-              <a:buAutoNum type="arabicPeriod"/>
-            </a:pPr>
-            <a:r>
-              <a:rPr lang="pt-PT" sz="3200" dirty="0" err="1"/>
-              <a:t>The</a:t>
-            </a:r>
-            <a:r>
-              <a:rPr lang="pt-PT" sz="3200" dirty="0"/>
-              <a:t> </a:t>
-            </a:r>
-            <a:r>
-              <a:rPr lang="pt-PT" sz="3200" dirty="0" err="1"/>
-              <a:t>price</a:t>
-            </a:r>
-            <a:r>
-              <a:rPr lang="pt-PT" sz="3200" dirty="0"/>
-              <a:t> range </a:t>
-            </a:r>
-            <a:r>
-              <a:rPr lang="pt-PT" sz="3200" dirty="0" err="1"/>
-              <a:t>of</a:t>
-            </a:r>
-            <a:r>
-              <a:rPr lang="pt-PT" sz="3200" dirty="0"/>
-              <a:t> </a:t>
-            </a:r>
-            <a:r>
-              <a:rPr lang="pt-PT" sz="3200" dirty="0" err="1"/>
-              <a:t>their</a:t>
-            </a:r>
-            <a:r>
-              <a:rPr lang="pt-PT" sz="3200" dirty="0"/>
-              <a:t> </a:t>
-            </a:r>
-            <a:r>
-              <a:rPr lang="pt-PT" sz="3200" dirty="0" err="1"/>
-              <a:t>catalog</a:t>
-            </a:r>
-            <a:r>
-              <a:rPr lang="pt-PT" sz="3200" dirty="0"/>
-              <a:t>;</a:t>
-            </a:r>
-          </a:p>
-          <a:p>
-            <a:pPr marL="971550" lvl="1" indent="-514350">
-              <a:buFont typeface="+mj-lt"/>
-              <a:buAutoNum type="arabicPeriod"/>
-            </a:pPr>
-            <a:r>
-              <a:rPr lang="en-GB" sz="3200" dirty="0"/>
-              <a:t>The brands with the highest and lowest number of washing machines on sale.</a:t>
-            </a:r>
-          </a:p>
-        </p:txBody>
-      </p:sp>
-    </p:spTree>
-    <p:extLst>
-      <p:ext uri="{BB962C8B-B14F-4D97-AF65-F5344CB8AC3E}">
-        <p14:creationId xmlns:p14="http://schemas.microsoft.com/office/powerpoint/2010/main" val="3133244229"/>
-      </p:ext>
-    </p:extLst>
-  </p:cSld>
-  <p:clrMapOvr>
-    <a:masterClrMapping/>
-  </p:clrMapOvr>
-  <p:timing>
-    <p:tnLst>
-      <p:par>
-        <p:cTn id="1" dur="indefinite" restart="never" nodeType="tmRoot">
-          <p:childTnLst>
-            <p:seq concurrent="1" nextAc="seek">
-              <p:cTn id="2" dur="indefinite" nodeType="mainSeq">
-                <p:childTnLst>
-                  <p:par>
-                    <p:cTn id="3" fill="hold">
-                      <p:stCondLst>
-                        <p:cond delay="indefinite"/>
-                      </p:stCondLst>
-                      <p:childTnLst>
-                        <p:par>
-                          <p:cTn id="4" fill="hold">
-                            <p:stCondLst>
-                              <p:cond delay="0"/>
-                            </p:stCondLst>
-                            <p:childTnLst>
-                              <p:par>
-                                <p:cTn id="5" presetID="1" presetClass="entr" presetSubtype="0" fill="hold" nodeType="clickEffect">
-                                  <p:stCondLst>
-                                    <p:cond delay="0"/>
-                                  </p:stCondLst>
-                                  <p:childTnLst>
-                                    <p:set>
-                                      <p:cBhvr>
-                                        <p:cTn id="6" dur="1" fill="hold">
-                                          <p:stCondLst>
-                                            <p:cond delay="0"/>
-                                          </p:stCondLst>
-                                        </p:cTn>
-                                        <p:tgtEl>
-                                          <p:spTgt spid="3">
-                                            <p:txEl>
-                                              <p:pRg st="2" end="2"/>
-                                            </p:txEl>
-                                          </p:spTgt>
-                                        </p:tgtEl>
-                                        <p:attrNameLst>
-                                          <p:attrName>style.visibility</p:attrName>
-                                        </p:attrNameLst>
-                                      </p:cBhvr>
-                                      <p:to>
-                                        <p:strVal val="visible"/>
-                                      </p:to>
-                                    </p:set>
-                                  </p:childTnLst>
-                                </p:cTn>
-                              </p:par>
-                            </p:childTnLst>
-                          </p:cTn>
-                        </p:par>
-                      </p:childTnLst>
-                    </p:cTn>
-                  </p:par>
-                  <p:par>
-                    <p:cTn id="7" fill="hold">
-                      <p:stCondLst>
-                        <p:cond delay="indefinite"/>
-                      </p:stCondLst>
-                      <p:childTnLst>
-                        <p:par>
-                          <p:cTn id="8" fill="hold">
-                            <p:stCondLst>
-                              <p:cond delay="0"/>
-                            </p:stCondLst>
-                            <p:childTnLst>
-                              <p:par>
-                                <p:cTn id="9" presetID="1" presetClass="entr" presetSubtype="0" fill="hold" nodeType="clickEffect">
-                                  <p:stCondLst>
-                                    <p:cond delay="0"/>
-                                  </p:stCondLst>
-                                  <p:childTnLst>
-                                    <p:set>
-                                      <p:cBhvr>
-                                        <p:cTn id="10" dur="1" fill="hold">
-                                          <p:stCondLst>
-                                            <p:cond delay="0"/>
-                                          </p:stCondLst>
-                                        </p:cTn>
-                                        <p:tgtEl>
-                                          <p:spTgt spid="3">
-                                            <p:txEl>
-                                              <p:pRg st="3" end="3"/>
-                                            </p:txEl>
-                                          </p:spTgt>
-                                        </p:tgtEl>
-                                        <p:attrNameLst>
-                                          <p:attrName>style.visibility</p:attrName>
-                                        </p:attrNameLst>
-                                      </p:cBhvr>
-                                      <p:to>
-                                        <p:strVal val="visible"/>
-                                      </p:to>
-                                    </p:set>
-                                  </p:childTnLst>
-                                </p:cTn>
-                              </p:par>
-                            </p:childTnLst>
-                          </p:cTn>
-                        </p:par>
-                      </p:childTnLst>
-                    </p:cTn>
-                  </p:par>
-                  <p:par>
-                    <p:cTn id="11" fill="hold">
-                      <p:stCondLst>
-                        <p:cond delay="indefinite"/>
-                      </p:stCondLst>
-                      <p:childTnLst>
-                        <p:par>
-                          <p:cTn id="12" fill="hold">
-                            <p:stCondLst>
-                              <p:cond delay="0"/>
-                            </p:stCondLst>
-                            <p:childTnLst>
-                              <p:par>
-                                <p:cTn id="13" presetID="1" presetClass="entr" presetSubtype="0" fill="hold" nodeType="clickEffect">
-                                  <p:stCondLst>
-                                    <p:cond delay="0"/>
-                                  </p:stCondLst>
-                                  <p:childTnLst>
-                                    <p:set>
-                                      <p:cBhvr>
-                                        <p:cTn id="14" dur="1" fill="hold">
-                                          <p:stCondLst>
-                                            <p:cond delay="0"/>
-                                          </p:stCondLst>
-                                        </p:cTn>
-                                        <p:tgtEl>
-                                          <p:spTgt spid="3">
-                                            <p:txEl>
-                                              <p:pRg st="4" end="4"/>
-                                            </p:txEl>
-                                          </p:spTgt>
-                                        </p:tgtEl>
-                                        <p:attrNameLst>
-                                          <p:attrName>style.visibility</p:attrName>
-                                        </p:attrNameLst>
-                                      </p:cBhvr>
-                                      <p:to>
-                                        <p:strVal val="visible"/>
-                                      </p:to>
-                                    </p:set>
-                                  </p:childTnLst>
-                                </p:cTn>
-                              </p:par>
-                            </p:childTnLst>
-                          </p:cTn>
-                        </p:par>
-                      </p:childTnLst>
-                    </p:cTn>
-                  </p:par>
-                  <p:par>
-                    <p:cTn id="15" fill="hold">
-                      <p:stCondLst>
-                        <p:cond delay="indefinite"/>
-                      </p:stCondLst>
-                      <p:childTnLst>
-                        <p:par>
-                          <p:cTn id="16" fill="hold">
-                            <p:stCondLst>
-                              <p:cond delay="0"/>
-                            </p:stCondLst>
-                            <p:childTnLst>
-                              <p:par>
-                                <p:cTn id="17" presetID="1" presetClass="entr" presetSubtype="0" fill="hold" nodeType="clickEffect">
-                                  <p:stCondLst>
-                                    <p:cond delay="0"/>
-                                  </p:stCondLst>
-                                  <p:childTnLst>
-                                    <p:set>
-                                      <p:cBhvr>
-                                        <p:cTn id="18" dur="1" fill="hold">
-                                          <p:stCondLst>
-                                            <p:cond delay="0"/>
-                                          </p:stCondLst>
-                                        </p:cTn>
-                                        <p:tgtEl>
-                                          <p:spTgt spid="3">
-                                            <p:txEl>
-                                              <p:pRg st="5" end="5"/>
-                                            </p:txEl>
-                                          </p:spTgt>
-                                        </p:tgtEl>
-                                        <p:attrNameLst>
-                                          <p:attrName>style.visibility</p:attrName>
-                                        </p:attrNameLst>
-                                      </p:cBhvr>
-                                      <p:to>
-                                        <p:strVal val="visible"/>
-                                      </p:to>
-                                    </p:set>
-                                  </p:childTnLst>
-                                </p:cTn>
-                              </p:par>
-                            </p:childTnLst>
-                          </p:cTn>
-                        </p:par>
-                      </p:childTnLst>
-                    </p:cTn>
-                  </p:par>
-                </p:childTnLst>
-              </p:cTn>
-              <p:prevCondLst>
-                <p:cond evt="onPrev" delay="0">
-                  <p:tgtEl>
-                    <p:sldTgt/>
-                  </p:tgtEl>
-                </p:cond>
-              </p:prevCondLst>
-              <p:nextCondLst>
-                <p:cond evt="onNext" delay="0">
-                  <p:tgtEl>
-                    <p:sldTgt/>
-                  </p:tgtEl>
-                </p:cond>
-              </p:nextCondLst>
-            </p:seq>
-          </p:childTnLst>
-        </p:cTn>
-      </p:par>
-    </p:tnLst>
-  </p:timing>
-</p:sld>
-</file>
-
-<file path=ppt/slides/slide4.xml><?xml version="1.0" encoding="utf-8"?>
-<p:sld xmlns:a="http://schemas.openxmlformats.org/drawingml/2006/main" xmlns:r="http://schemas.openxmlformats.org/officeDocument/2006/relationships" xmlns:p="http://schemas.openxmlformats.org/presentationml/2006/main">
-  <p:cSld>
-    <p:spTree>
-      <p:nvGrpSpPr>
-        <p:cNvPr id="1" name=""/>
-        <p:cNvGrpSpPr/>
-        <p:nvPr/>
-      </p:nvGrpSpPr>
-      <p:grpSpPr>
-        <a:xfrm>
-          <a:off x="0" y="0"/>
-          <a:ext cx="0" cy="0"/>
-          <a:chOff x="0" y="0"/>
-          <a:chExt cx="0" cy="0"/>
-        </a:xfrm>
-      </p:grpSpPr>
-      <p:pic>
-        <p:nvPicPr>
-          <p:cNvPr id="5" name="Content Placeholder 4">
-            <a:extLst>
-              <a:ext uri="{FF2B5EF4-FFF2-40B4-BE49-F238E27FC236}">
-                <a16:creationId xmlns:a16="http://schemas.microsoft.com/office/drawing/2014/main" id="{C865A9C7-53AF-4972-AEEB-76CD2557CF15}"/>
-              </a:ext>
-            </a:extLst>
-          </p:cNvPr>
-          <p:cNvPicPr>
-            <a:picLocks noGrp="1" noChangeAspect="1"/>
-          </p:cNvPicPr>
-          <p:nvPr>
-            <p:ph idx="1"/>
-          </p:nvPr>
-        </p:nvPicPr>
-        <p:blipFill>
-          <a:blip r:embed="rId2"/>
-          <a:stretch>
-            <a:fillRect/>
-          </a:stretch>
-        </p:blipFill>
-        <p:spPr>
-          <a:xfrm>
-            <a:off x="58053" y="2374084"/>
-            <a:ext cx="11958128" cy="3355597"/>
-          </a:xfrm>
-          <a:prstGeom prst="rect">
-            <a:avLst/>
-          </a:prstGeom>
-        </p:spPr>
-      </p:pic>
-      <p:sp>
-        <p:nvSpPr>
-          <p:cNvPr id="4" name="Title 1">
-            <a:extLst>
-              <a:ext uri="{FF2B5EF4-FFF2-40B4-BE49-F238E27FC236}">
-                <a16:creationId xmlns:a16="http://schemas.microsoft.com/office/drawing/2014/main" id="{2A3AC2CB-AFEA-466E-B187-B2BA9339E969}"/>
-              </a:ext>
-            </a:extLst>
-          </p:cNvPr>
-          <p:cNvSpPr>
-            <a:spLocks noGrp="1"/>
-          </p:cNvSpPr>
-          <p:nvPr>
-            <p:ph type="title"/>
-          </p:nvPr>
-        </p:nvSpPr>
-        <p:spPr>
-          <a:xfrm>
-            <a:off x="838200" y="365125"/>
-            <a:ext cx="10515600" cy="1325563"/>
-          </a:xfrm>
-          <a:solidFill>
-            <a:schemeClr val="accent2"/>
-          </a:solidFill>
-        </p:spPr>
-        <p:txBody>
-          <a:bodyPr/>
-          <a:lstStyle/>
-          <a:p>
-            <a:r>
-              <a:rPr lang="pt-PT" b="1" dirty="0">
-                <a:solidFill>
-                  <a:schemeClr val="bg1"/>
-                </a:solidFill>
-                <a:effectLst>
-                  <a:outerShdw blurRad="38100" dist="38100" dir="2700000" algn="tl">
-                    <a:srgbClr val="000000">
-                      <a:alpha val="43137"/>
-                    </a:srgbClr>
-                  </a:outerShdw>
-                </a:effectLst>
-              </a:rPr>
-              <a:t>Output</a:t>
-            </a:r>
-            <a:endParaRPr lang="en-GB" b="1" dirty="0">
-              <a:solidFill>
-                <a:schemeClr val="bg1"/>
-              </a:solidFill>
-              <a:effectLst>
-                <a:outerShdw blurRad="38100" dist="38100" dir="2700000" algn="tl">
-                  <a:srgbClr val="000000">
-                    <a:alpha val="43137"/>
-                  </a:srgbClr>
-                </a:outerShdw>
-              </a:effectLst>
-            </a:endParaRPr>
-          </a:p>
-        </p:txBody>
-      </p:sp>
-    </p:spTree>
-    <p:extLst>
-      <p:ext uri="{BB962C8B-B14F-4D97-AF65-F5344CB8AC3E}">
-        <p14:creationId xmlns:p14="http://schemas.microsoft.com/office/powerpoint/2010/main" val="572966875"/>
-      </p:ext>
-    </p:extLst>
-  </p:cSld>
-  <p:clrMapOvr>
-    <a:masterClrMapping/>
-  </p:clrMapOvr>
-</p:sld>
-</file>
-
-<file path=ppt/slides/slide5.xml><?xml version="1.0" encoding="utf-8"?>
-<p:sld xmlns:a="http://schemas.openxmlformats.org/drawingml/2006/main" xmlns:r="http://schemas.openxmlformats.org/officeDocument/2006/relationships" xmlns:p="http://schemas.openxmlformats.org/presentationml/2006/main">
-  <p:cSld>
-    <p:spTree>
-      <p:nvGrpSpPr>
-        <p:cNvPr id="1" name=""/>
-        <p:cNvGrpSpPr/>
-        <p:nvPr/>
-      </p:nvGrpSpPr>
-      <p:grpSpPr>
-        <a:xfrm>
-          <a:off x="0" y="0"/>
-          <a:ext cx="0" cy="0"/>
-          <a:chOff x="0" y="0"/>
-          <a:chExt cx="0" cy="0"/>
-        </a:xfrm>
-      </p:grpSpPr>
-      <p:sp>
-        <p:nvSpPr>
-          <p:cNvPr id="3" name="Content Placeholder 2">
-            <a:extLst>
-              <a:ext uri="{FF2B5EF4-FFF2-40B4-BE49-F238E27FC236}">
-                <a16:creationId xmlns:a16="http://schemas.microsoft.com/office/drawing/2014/main" id="{1079954E-45B5-4651-83E1-483711026003}"/>
-              </a:ext>
-            </a:extLst>
-          </p:cNvPr>
-          <p:cNvSpPr>
-            <a:spLocks noGrp="1"/>
-          </p:cNvSpPr>
-          <p:nvPr>
-            <p:ph idx="1"/>
-          </p:nvPr>
-        </p:nvSpPr>
-        <p:spPr/>
-        <p:txBody>
-          <a:bodyPr/>
-          <a:lstStyle/>
-          <a:p>
-            <a:r>
-              <a:rPr lang="pt-PT" dirty="0" err="1"/>
-              <a:t>Separate</a:t>
-            </a:r>
-            <a:r>
-              <a:rPr lang="pt-PT" dirty="0"/>
-              <a:t> </a:t>
-            </a:r>
-            <a:r>
-              <a:rPr lang="pt-PT" dirty="0" err="1"/>
-              <a:t>the</a:t>
-            </a:r>
-            <a:r>
-              <a:rPr lang="pt-PT" dirty="0"/>
-              <a:t> ratings </a:t>
-            </a:r>
-            <a:r>
-              <a:rPr lang="pt-PT" dirty="0" err="1"/>
-              <a:t>from</a:t>
-            </a:r>
-            <a:r>
-              <a:rPr lang="pt-PT" dirty="0"/>
-              <a:t> </a:t>
-            </a:r>
-            <a:r>
-              <a:rPr lang="pt-PT" dirty="0" err="1"/>
-              <a:t>the</a:t>
-            </a:r>
-            <a:r>
-              <a:rPr lang="pt-PT" dirty="0"/>
-              <a:t> </a:t>
-            </a:r>
-            <a:r>
-              <a:rPr lang="pt-PT" dirty="0" err="1"/>
-              <a:t>number</a:t>
-            </a:r>
-            <a:r>
-              <a:rPr lang="pt-PT" dirty="0"/>
-              <a:t> </a:t>
-            </a:r>
-            <a:r>
-              <a:rPr lang="pt-PT" dirty="0" err="1"/>
-              <a:t>of</a:t>
-            </a:r>
-            <a:r>
-              <a:rPr lang="pt-PT" dirty="0"/>
-              <a:t> </a:t>
-            </a:r>
-            <a:r>
-              <a:rPr lang="pt-PT" dirty="0" err="1"/>
-              <a:t>Reviews</a:t>
-            </a:r>
-            <a:endParaRPr lang="en-GB" dirty="0"/>
-          </a:p>
-        </p:txBody>
-      </p:sp>
-      <p:sp>
-        <p:nvSpPr>
-          <p:cNvPr id="4" name="Title 1">
-            <a:extLst>
-              <a:ext uri="{FF2B5EF4-FFF2-40B4-BE49-F238E27FC236}">
-                <a16:creationId xmlns:a16="http://schemas.microsoft.com/office/drawing/2014/main" id="{84568331-0E1E-40B6-8A22-D007A2CC0CBF}"/>
-              </a:ext>
-            </a:extLst>
-          </p:cNvPr>
-          <p:cNvSpPr>
-            <a:spLocks noGrp="1"/>
-          </p:cNvSpPr>
-          <p:nvPr>
-            <p:ph type="title"/>
-          </p:nvPr>
-        </p:nvSpPr>
-        <p:spPr>
-          <a:xfrm>
-            <a:off x="838200" y="365125"/>
-            <a:ext cx="10515600" cy="1325563"/>
-          </a:xfrm>
-          <a:solidFill>
-            <a:schemeClr val="accent2"/>
-          </a:solidFill>
-        </p:spPr>
-        <p:txBody>
-          <a:bodyPr/>
-          <a:lstStyle/>
-          <a:p>
-            <a:r>
-              <a:rPr lang="pt-PT" b="1" dirty="0">
-                <a:solidFill>
-                  <a:schemeClr val="bg1"/>
-                </a:solidFill>
-                <a:effectLst>
-                  <a:outerShdw blurRad="38100" dist="38100" dir="2700000" algn="tl">
-                    <a:srgbClr val="000000">
-                      <a:alpha val="43137"/>
-                    </a:srgbClr>
-                  </a:outerShdw>
-                </a:effectLst>
-              </a:rPr>
-              <a:t>Data </a:t>
-            </a:r>
-            <a:r>
-              <a:rPr lang="pt-PT" b="1" dirty="0" err="1">
-                <a:solidFill>
-                  <a:schemeClr val="bg1"/>
-                </a:solidFill>
-                <a:effectLst>
-                  <a:outerShdw blurRad="38100" dist="38100" dir="2700000" algn="tl">
-                    <a:srgbClr val="000000">
-                      <a:alpha val="43137"/>
-                    </a:srgbClr>
-                  </a:outerShdw>
-                </a:effectLst>
-              </a:rPr>
-              <a:t>Cleaning</a:t>
-            </a:r>
-            <a:r>
-              <a:rPr lang="pt-PT" b="1" dirty="0">
-                <a:solidFill>
-                  <a:schemeClr val="bg1"/>
-                </a:solidFill>
-                <a:effectLst>
-                  <a:outerShdw blurRad="38100" dist="38100" dir="2700000" algn="tl">
-                    <a:srgbClr val="000000">
-                      <a:alpha val="43137"/>
-                    </a:srgbClr>
-                  </a:outerShdw>
-                </a:effectLst>
-              </a:rPr>
-              <a:t> Steps</a:t>
-            </a:r>
-            <a:endParaRPr lang="en-GB" b="1" dirty="0">
-              <a:solidFill>
-                <a:schemeClr val="bg1"/>
-              </a:solidFill>
-              <a:effectLst>
-                <a:outerShdw blurRad="38100" dist="38100" dir="2700000" algn="tl">
-                  <a:srgbClr val="000000">
-                    <a:alpha val="43137"/>
-                  </a:srgbClr>
-                </a:outerShdw>
-              </a:effectLst>
-            </a:endParaRPr>
-          </a:p>
-        </p:txBody>
-      </p:sp>
-      <p:pic>
-        <p:nvPicPr>
-          <p:cNvPr id="5" name="Picture 4">
-            <a:extLst>
-              <a:ext uri="{FF2B5EF4-FFF2-40B4-BE49-F238E27FC236}">
-                <a16:creationId xmlns:a16="http://schemas.microsoft.com/office/drawing/2014/main" id="{894C8EEC-E66A-4461-AC5F-F10FAAF210E6}"/>
-              </a:ext>
-            </a:extLst>
-          </p:cNvPr>
-          <p:cNvPicPr>
-            <a:picLocks noChangeAspect="1"/>
-          </p:cNvPicPr>
-          <p:nvPr/>
-        </p:nvPicPr>
-        <p:blipFill>
-          <a:blip r:embed="rId2"/>
-          <a:stretch>
-            <a:fillRect/>
-          </a:stretch>
-        </p:blipFill>
-        <p:spPr>
-          <a:xfrm>
-            <a:off x="1109224" y="2500897"/>
-            <a:ext cx="1139453" cy="3700286"/>
-          </a:xfrm>
-          <a:prstGeom prst="rect">
-            <a:avLst/>
-          </a:prstGeom>
-        </p:spPr>
-      </p:pic>
-      <p:pic>
-        <p:nvPicPr>
-          <p:cNvPr id="6" name="Picture 5">
-            <a:extLst>
-              <a:ext uri="{FF2B5EF4-FFF2-40B4-BE49-F238E27FC236}">
-                <a16:creationId xmlns:a16="http://schemas.microsoft.com/office/drawing/2014/main" id="{449593F9-1718-4DF2-B636-1731F97E7419}"/>
-              </a:ext>
-            </a:extLst>
-          </p:cNvPr>
-          <p:cNvPicPr>
-            <a:picLocks noChangeAspect="1"/>
-          </p:cNvPicPr>
-          <p:nvPr/>
-        </p:nvPicPr>
-        <p:blipFill>
-          <a:blip r:embed="rId3"/>
-          <a:stretch>
-            <a:fillRect/>
-          </a:stretch>
-        </p:blipFill>
-        <p:spPr>
-          <a:xfrm>
-            <a:off x="2519701" y="2500897"/>
-            <a:ext cx="8842391" cy="2107574"/>
-          </a:xfrm>
-          <a:prstGeom prst="rect">
-            <a:avLst/>
-          </a:prstGeom>
-        </p:spPr>
-      </p:pic>
-    </p:spTree>
-    <p:extLst>
-      <p:ext uri="{BB962C8B-B14F-4D97-AF65-F5344CB8AC3E}">
-        <p14:creationId xmlns:p14="http://schemas.microsoft.com/office/powerpoint/2010/main" val="3700661474"/>
-      </p:ext>
-    </p:extLst>
-  </p:cSld>
-  <p:clrMapOvr>
-    <a:masterClrMapping/>
-  </p:clrMapOvr>
-  <p:timing>
-    <p:tnLst>
-      <p:par>
-        <p:cTn id="1" dur="indefinite" restart="never" nodeType="tmRoot">
-          <p:childTnLst>
-            <p:seq concurrent="1" nextAc="seek">
-              <p:cTn id="2" dur="indefinite" nodeType="mainSeq">
-                <p:childTnLst>
-                  <p:par>
-                    <p:cTn id="3" fill="hold">
-                      <p:stCondLst>
-                        <p:cond delay="indefinite"/>
-                      </p:stCondLst>
-                      <p:childTnLst>
-                        <p:par>
-                          <p:cTn id="4" fill="hold">
-                            <p:stCondLst>
-                              <p:cond delay="0"/>
-                            </p:stCondLst>
-                            <p:childTnLst>
-                              <p:par>
-                                <p:cTn id="5" presetID="1" presetClass="entr" presetSubtype="0" fill="hold" nodeType="clickEffect">
-                                  <p:stCondLst>
-                                    <p:cond delay="0"/>
-                                  </p:stCondLst>
-                                  <p:childTnLst>
-                                    <p:set>
-                                      <p:cBhvr>
-                                        <p:cTn id="6" dur="1" fill="hold">
-                                          <p:stCondLst>
-                                            <p:cond delay="0"/>
-                                          </p:stCondLst>
-                                        </p:cTn>
-                                        <p:tgtEl>
-                                          <p:spTgt spid="5"/>
-                                        </p:tgtEl>
-                                        <p:attrNameLst>
-                                          <p:attrName>style.visibility</p:attrName>
-                                        </p:attrNameLst>
-                                      </p:cBhvr>
-                                      <p:to>
-                                        <p:strVal val="visible"/>
-                                      </p:to>
-                                    </p:set>
-                                  </p:childTnLst>
-                                </p:cTn>
-                              </p:par>
-                            </p:childTnLst>
-                          </p:cTn>
-                        </p:par>
-                      </p:childTnLst>
-                    </p:cTn>
-                  </p:par>
-                  <p:par>
-                    <p:cTn id="7" fill="hold">
-                      <p:stCondLst>
-                        <p:cond delay="indefinite"/>
-                      </p:stCondLst>
-                      <p:childTnLst>
-                        <p:par>
-                          <p:cTn id="8" fill="hold">
-                            <p:stCondLst>
-                              <p:cond delay="0"/>
-                            </p:stCondLst>
-                            <p:childTnLst>
-                              <p:par>
-                                <p:cTn id="9" presetID="1" presetClass="entr" presetSubtype="0" fill="hold" nodeType="clickEffect">
-                                  <p:stCondLst>
-                                    <p:cond delay="0"/>
-                                  </p:stCondLst>
-                                  <p:childTnLst>
-                                    <p:set>
-                                      <p:cBhvr>
-                                        <p:cTn id="10" dur="1" fill="hold">
-                                          <p:stCondLst>
-                                            <p:cond delay="0"/>
-                                          </p:stCondLst>
-                                        </p:cTn>
-                                        <p:tgtEl>
-                                          <p:spTgt spid="6"/>
-                                        </p:tgtEl>
-                                        <p:attrNameLst>
-                                          <p:attrName>style.visibility</p:attrName>
-                                        </p:attrNameLst>
-                                      </p:cBhvr>
-                                      <p:to>
-                                        <p:strVal val="visible"/>
-                                      </p:to>
-                                    </p:set>
-                                  </p:childTnLst>
-                                </p:cTn>
-                              </p:par>
-                            </p:childTnLst>
-                          </p:cTn>
-                        </p:par>
-                      </p:childTnLst>
-                    </p:cTn>
-                  </p:par>
-                </p:childTnLst>
-              </p:cTn>
-              <p:prevCondLst>
-                <p:cond evt="onPrev" delay="0">
-                  <p:tgtEl>
-                    <p:sldTgt/>
-                  </p:tgtEl>
-                </p:cond>
-              </p:prevCondLst>
-              <p:nextCondLst>
-                <p:cond evt="onNext" delay="0">
-                  <p:tgtEl>
-                    <p:sldTgt/>
-                  </p:tgtEl>
-                </p:cond>
-              </p:nextCondLst>
-            </p:seq>
-          </p:childTnLst>
-        </p:cTn>
-      </p:par>
-    </p:tnLst>
-  </p:timing>
-</p:sld>
-</file>
-
-<file path=ppt/slides/slide6.xml><?xml version="1.0" encoding="utf-8"?>
-<p:sld xmlns:a="http://schemas.openxmlformats.org/drawingml/2006/main" xmlns:r="http://schemas.openxmlformats.org/officeDocument/2006/relationships" xmlns:p="http://schemas.openxmlformats.org/presentationml/2006/main">
-  <p:cSld>
-    <p:spTree>
-      <p:nvGrpSpPr>
-        <p:cNvPr id="1" name=""/>
-        <p:cNvGrpSpPr/>
-        <p:nvPr/>
-      </p:nvGrpSpPr>
-      <p:grpSpPr>
-        <a:xfrm>
-          <a:off x="0" y="0"/>
-          <a:ext cx="0" cy="0"/>
-          <a:chOff x="0" y="0"/>
-          <a:chExt cx="0" cy="0"/>
-        </a:xfrm>
-      </p:grpSpPr>
-      <p:sp>
-        <p:nvSpPr>
-          <p:cNvPr id="3" name="Content Placeholder 2">
-            <a:extLst>
-              <a:ext uri="{FF2B5EF4-FFF2-40B4-BE49-F238E27FC236}">
-                <a16:creationId xmlns:a16="http://schemas.microsoft.com/office/drawing/2014/main" id="{1079954E-45B5-4651-83E1-483711026003}"/>
-              </a:ext>
-            </a:extLst>
-          </p:cNvPr>
-          <p:cNvSpPr>
-            <a:spLocks noGrp="1"/>
-          </p:cNvSpPr>
-          <p:nvPr>
-            <p:ph idx="1"/>
-          </p:nvPr>
-        </p:nvSpPr>
-        <p:spPr/>
-        <p:txBody>
-          <a:bodyPr/>
-          <a:lstStyle/>
-          <a:p>
-            <a:r>
-              <a:rPr lang="pt-PT" dirty="0" err="1"/>
-              <a:t>Separate</a:t>
-            </a:r>
-            <a:r>
-              <a:rPr lang="pt-PT" dirty="0"/>
-              <a:t> </a:t>
-            </a:r>
-            <a:r>
-              <a:rPr lang="pt-PT" dirty="0" err="1"/>
-              <a:t>the</a:t>
-            </a:r>
-            <a:r>
-              <a:rPr lang="pt-PT" dirty="0"/>
-              <a:t> </a:t>
-            </a:r>
-            <a:r>
-              <a:rPr lang="pt-PT" dirty="0" err="1"/>
-              <a:t>category</a:t>
-            </a:r>
-            <a:r>
-              <a:rPr lang="pt-PT" dirty="0"/>
-              <a:t> </a:t>
-            </a:r>
-            <a:r>
-              <a:rPr lang="pt-PT" dirty="0" err="1"/>
-              <a:t>from</a:t>
-            </a:r>
-            <a:r>
-              <a:rPr lang="pt-PT" dirty="0"/>
-              <a:t> </a:t>
-            </a:r>
-            <a:r>
-              <a:rPr lang="pt-PT" dirty="0" err="1"/>
-              <a:t>the</a:t>
-            </a:r>
-            <a:r>
-              <a:rPr lang="pt-PT" dirty="0"/>
-              <a:t> </a:t>
-            </a:r>
-            <a:r>
-              <a:rPr lang="pt-PT" dirty="0" err="1"/>
-              <a:t>brand</a:t>
-            </a:r>
-            <a:r>
-              <a:rPr lang="pt-PT" dirty="0"/>
-              <a:t> </a:t>
-            </a:r>
-            <a:r>
-              <a:rPr lang="pt-PT" dirty="0" err="1"/>
-              <a:t>and</a:t>
-            </a:r>
-            <a:r>
-              <a:rPr lang="pt-PT" dirty="0"/>
-              <a:t> </a:t>
-            </a:r>
-            <a:r>
-              <a:rPr lang="pt-PT" dirty="0" err="1"/>
-              <a:t>the</a:t>
-            </a:r>
-            <a:r>
-              <a:rPr lang="pt-PT" dirty="0"/>
-              <a:t> </a:t>
-            </a:r>
-            <a:r>
-              <a:rPr lang="pt-PT" dirty="0" err="1"/>
-              <a:t>model</a:t>
-            </a:r>
-            <a:endParaRPr lang="en-GB" dirty="0"/>
-          </a:p>
-        </p:txBody>
-      </p:sp>
-      <p:sp>
-        <p:nvSpPr>
-          <p:cNvPr id="4" name="Title 1">
-            <a:extLst>
-              <a:ext uri="{FF2B5EF4-FFF2-40B4-BE49-F238E27FC236}">
-                <a16:creationId xmlns:a16="http://schemas.microsoft.com/office/drawing/2014/main" id="{84568331-0E1E-40B6-8A22-D007A2CC0CBF}"/>
-              </a:ext>
-            </a:extLst>
-          </p:cNvPr>
-          <p:cNvSpPr>
-            <a:spLocks noGrp="1"/>
-          </p:cNvSpPr>
-          <p:nvPr>
-            <p:ph type="title"/>
-          </p:nvPr>
-        </p:nvSpPr>
-        <p:spPr>
-          <a:xfrm>
-            <a:off x="838200" y="365125"/>
-            <a:ext cx="10515600" cy="1325563"/>
-          </a:xfrm>
-          <a:solidFill>
-            <a:schemeClr val="accent2"/>
-          </a:solidFill>
-        </p:spPr>
-        <p:txBody>
-          <a:bodyPr/>
-          <a:lstStyle/>
-          <a:p>
-            <a:r>
-              <a:rPr lang="pt-PT" b="1" dirty="0">
-                <a:solidFill>
-                  <a:schemeClr val="bg1"/>
-                </a:solidFill>
-                <a:effectLst>
-                  <a:outerShdw blurRad="38100" dist="38100" dir="2700000" algn="tl">
-                    <a:srgbClr val="000000">
-                      <a:alpha val="43137"/>
-                    </a:srgbClr>
-                  </a:outerShdw>
-                </a:effectLst>
-              </a:rPr>
-              <a:t>Data </a:t>
-            </a:r>
-            <a:r>
-              <a:rPr lang="pt-PT" b="1" dirty="0" err="1">
-                <a:solidFill>
-                  <a:schemeClr val="bg1"/>
-                </a:solidFill>
-                <a:effectLst>
-                  <a:outerShdw blurRad="38100" dist="38100" dir="2700000" algn="tl">
-                    <a:srgbClr val="000000">
-                      <a:alpha val="43137"/>
-                    </a:srgbClr>
-                  </a:outerShdw>
-                </a:effectLst>
-              </a:rPr>
-              <a:t>Cleaning</a:t>
-            </a:r>
-            <a:r>
-              <a:rPr lang="pt-PT" b="1" dirty="0">
-                <a:solidFill>
-                  <a:schemeClr val="bg1"/>
-                </a:solidFill>
-                <a:effectLst>
-                  <a:outerShdw blurRad="38100" dist="38100" dir="2700000" algn="tl">
-                    <a:srgbClr val="000000">
-                      <a:alpha val="43137"/>
-                    </a:srgbClr>
-                  </a:outerShdw>
-                </a:effectLst>
-              </a:rPr>
-              <a:t> Steps</a:t>
-            </a:r>
-            <a:endParaRPr lang="en-GB" b="1" dirty="0">
-              <a:solidFill>
-                <a:schemeClr val="bg1"/>
-              </a:solidFill>
-              <a:effectLst>
-                <a:outerShdw blurRad="38100" dist="38100" dir="2700000" algn="tl">
-                  <a:srgbClr val="000000">
-                    <a:alpha val="43137"/>
-                  </a:srgbClr>
-                </a:outerShdw>
-              </a:effectLst>
-            </a:endParaRPr>
-          </a:p>
-        </p:txBody>
-      </p:sp>
-      <p:pic>
-        <p:nvPicPr>
-          <p:cNvPr id="2" name="Picture 1">
-            <a:extLst>
-              <a:ext uri="{FF2B5EF4-FFF2-40B4-BE49-F238E27FC236}">
-                <a16:creationId xmlns:a16="http://schemas.microsoft.com/office/drawing/2014/main" id="{CCE04800-C88A-4BC5-A29F-75E0E9694249}"/>
-              </a:ext>
-            </a:extLst>
-          </p:cNvPr>
-          <p:cNvPicPr>
-            <a:picLocks noChangeAspect="1"/>
-          </p:cNvPicPr>
-          <p:nvPr/>
-        </p:nvPicPr>
-        <p:blipFill>
-          <a:blip r:embed="rId2"/>
-          <a:stretch>
-            <a:fillRect/>
-          </a:stretch>
-        </p:blipFill>
-        <p:spPr>
-          <a:xfrm>
-            <a:off x="838200" y="2510423"/>
-            <a:ext cx="3244829" cy="3666540"/>
-          </a:xfrm>
-          <a:prstGeom prst="rect">
-            <a:avLst/>
-          </a:prstGeom>
-        </p:spPr>
-      </p:pic>
-      <p:pic>
-        <p:nvPicPr>
-          <p:cNvPr id="7" name="Picture 6">
-            <a:extLst>
-              <a:ext uri="{FF2B5EF4-FFF2-40B4-BE49-F238E27FC236}">
-                <a16:creationId xmlns:a16="http://schemas.microsoft.com/office/drawing/2014/main" id="{C3400EC8-3599-46C3-91CB-79349DFEB247}"/>
-              </a:ext>
-            </a:extLst>
-          </p:cNvPr>
-          <p:cNvPicPr>
-            <a:picLocks noChangeAspect="1"/>
-          </p:cNvPicPr>
-          <p:nvPr/>
-        </p:nvPicPr>
-        <p:blipFill>
-          <a:blip r:embed="rId3"/>
-          <a:stretch>
-            <a:fillRect/>
-          </a:stretch>
-        </p:blipFill>
-        <p:spPr>
-          <a:xfrm>
-            <a:off x="4437248" y="2510423"/>
-            <a:ext cx="6418928" cy="3666540"/>
-          </a:xfrm>
-          <a:prstGeom prst="rect">
-            <a:avLst/>
-          </a:prstGeom>
-        </p:spPr>
-      </p:pic>
-    </p:spTree>
-    <p:extLst>
-      <p:ext uri="{BB962C8B-B14F-4D97-AF65-F5344CB8AC3E}">
-        <p14:creationId xmlns:p14="http://schemas.microsoft.com/office/powerpoint/2010/main" val="3127569547"/>
-      </p:ext>
-    </p:extLst>
-  </p:cSld>
-  <p:clrMapOvr>
-    <a:masterClrMapping/>
-  </p:clrMapOvr>
-  <p:timing>
-    <p:tnLst>
-      <p:par>
-        <p:cTn id="1" dur="indefinite" restart="never" nodeType="tmRoot">
-          <p:childTnLst>
-            <p:seq concurrent="1" nextAc="seek">
-              <p:cTn id="2" dur="indefinite" nodeType="mainSeq">
-                <p:childTnLst>
-                  <p:par>
-                    <p:cTn id="3" fill="hold">
-                      <p:stCondLst>
-                        <p:cond delay="indefinite"/>
-                      </p:stCondLst>
-                      <p:childTnLst>
-                        <p:par>
-                          <p:cTn id="4" fill="hold">
-                            <p:stCondLst>
-                              <p:cond delay="0"/>
-                            </p:stCondLst>
-                            <p:childTnLst>
-                              <p:par>
-                                <p:cTn id="5" presetID="1" presetClass="entr" presetSubtype="0" fill="hold" nodeType="clickEffect">
-                                  <p:stCondLst>
-                                    <p:cond delay="0"/>
-                                  </p:stCondLst>
-                                  <p:childTnLst>
-                                    <p:set>
-                                      <p:cBhvr>
-                                        <p:cTn id="6" dur="1" fill="hold">
-                                          <p:stCondLst>
-                                            <p:cond delay="0"/>
-                                          </p:stCondLst>
-                                        </p:cTn>
-                                        <p:tgtEl>
-                                          <p:spTgt spid="2"/>
-                                        </p:tgtEl>
-                                        <p:attrNameLst>
-                                          <p:attrName>style.visibility</p:attrName>
-                                        </p:attrNameLst>
-                                      </p:cBhvr>
-                                      <p:to>
-                                        <p:strVal val="visible"/>
-                                      </p:to>
-                                    </p:set>
-                                  </p:childTnLst>
-                                </p:cTn>
-                              </p:par>
-                            </p:childTnLst>
-                          </p:cTn>
-                        </p:par>
-                      </p:childTnLst>
-                    </p:cTn>
-                  </p:par>
-                  <p:par>
-                    <p:cTn id="7" fill="hold">
-                      <p:stCondLst>
-                        <p:cond delay="indefinite"/>
-                      </p:stCondLst>
-                      <p:childTnLst>
-                        <p:par>
-                          <p:cTn id="8" fill="hold">
-                            <p:stCondLst>
-                              <p:cond delay="0"/>
-                            </p:stCondLst>
-                            <p:childTnLst>
-                              <p:par>
-                                <p:cTn id="9" presetID="1" presetClass="entr" presetSubtype="0" fill="hold" nodeType="clickEffect">
-                                  <p:stCondLst>
-                                    <p:cond delay="0"/>
-                                  </p:stCondLst>
-                                  <p:childTnLst>
-                                    <p:set>
-                                      <p:cBhvr>
-                                        <p:cTn id="10" dur="1" fill="hold">
-                                          <p:stCondLst>
-                                            <p:cond delay="0"/>
-                                          </p:stCondLst>
-                                        </p:cTn>
-                                        <p:tgtEl>
-                                          <p:spTgt spid="7"/>
-                                        </p:tgtEl>
-                                        <p:attrNameLst>
-                                          <p:attrName>style.visibility</p:attrName>
-                                        </p:attrNameLst>
-                                      </p:cBhvr>
-                                      <p:to>
-                                        <p:strVal val="visible"/>
-                                      </p:to>
-                                    </p:set>
-                                  </p:childTnLst>
-                                </p:cTn>
-                              </p:par>
-                            </p:childTnLst>
-                          </p:cTn>
-                        </p:par>
-                      </p:childTnLst>
-                    </p:cTn>
-                  </p:par>
-                </p:childTnLst>
-              </p:cTn>
-              <p:prevCondLst>
-                <p:cond evt="onPrev" delay="0">
-                  <p:tgtEl>
-                    <p:sldTgt/>
-                  </p:tgtEl>
-                </p:cond>
-              </p:prevCondLst>
-              <p:nextCondLst>
-                <p:cond evt="onNext" delay="0">
-                  <p:tgtEl>
-                    <p:sldTgt/>
-                  </p:tgtEl>
-                </p:cond>
-              </p:nextCondLst>
-            </p:seq>
-          </p:childTnLst>
-        </p:cTn>
-      </p:par>
-    </p:tnLst>
-  </p:timing>
-</p:sld>
-</file>
-
-<file path=ppt/slides/slide7.xml><?xml version="1.0" encoding="utf-8"?>
-<p:sld xmlns:a="http://schemas.openxmlformats.org/drawingml/2006/main" xmlns:r="http://schemas.openxmlformats.org/officeDocument/2006/relationships" xmlns:p="http://schemas.openxmlformats.org/presentationml/2006/main">
-  <p:cSld>
-    <p:spTree>
-      <p:nvGrpSpPr>
-        <p:cNvPr id="1" name=""/>
-        <p:cNvGrpSpPr/>
-        <p:nvPr/>
-      </p:nvGrpSpPr>
-      <p:grpSpPr>
-        <a:xfrm>
-          <a:off x="0" y="0"/>
-          <a:ext cx="0" cy="0"/>
-          <a:chOff x="0" y="0"/>
-          <a:chExt cx="0" cy="0"/>
-        </a:xfrm>
-      </p:grpSpPr>
-      <p:sp>
-        <p:nvSpPr>
-          <p:cNvPr id="3" name="Content Placeholder 2">
-            <a:extLst>
-              <a:ext uri="{FF2B5EF4-FFF2-40B4-BE49-F238E27FC236}">
-                <a16:creationId xmlns:a16="http://schemas.microsoft.com/office/drawing/2014/main" id="{1079954E-45B5-4651-83E1-483711026003}"/>
-              </a:ext>
-            </a:extLst>
-          </p:cNvPr>
-          <p:cNvSpPr>
-            <a:spLocks noGrp="1"/>
-          </p:cNvSpPr>
-          <p:nvPr>
-            <p:ph idx="1"/>
-          </p:nvPr>
-        </p:nvSpPr>
-        <p:spPr/>
-        <p:txBody>
-          <a:bodyPr/>
-          <a:lstStyle/>
-          <a:p>
-            <a:r>
-              <a:rPr lang="pt-PT" dirty="0" err="1"/>
-              <a:t>Create</a:t>
-            </a:r>
-            <a:r>
-              <a:rPr lang="pt-PT" dirty="0"/>
-              <a:t> </a:t>
-            </a:r>
-            <a:r>
-              <a:rPr lang="pt-PT" dirty="0" err="1"/>
-              <a:t>the</a:t>
-            </a:r>
-            <a:r>
-              <a:rPr lang="pt-PT" dirty="0"/>
-              <a:t> </a:t>
-            </a:r>
-            <a:r>
-              <a:rPr lang="pt-PT" dirty="0" err="1"/>
-              <a:t>Class</a:t>
-            </a:r>
-            <a:r>
-              <a:rPr lang="pt-PT" dirty="0"/>
-              <a:t> </a:t>
-            </a:r>
-            <a:r>
-              <a:rPr lang="pt-PT" dirty="0" err="1"/>
-              <a:t>and</a:t>
-            </a:r>
-            <a:r>
-              <a:rPr lang="pt-PT" dirty="0"/>
-              <a:t> </a:t>
-            </a:r>
-            <a:r>
-              <a:rPr lang="pt-PT" dirty="0" err="1"/>
-              <a:t>Washing</a:t>
-            </a:r>
-            <a:r>
-              <a:rPr lang="pt-PT" dirty="0"/>
-              <a:t> </a:t>
-            </a:r>
-            <a:r>
-              <a:rPr lang="pt-PT" dirty="0" err="1"/>
-              <a:t>Capacity</a:t>
-            </a:r>
-            <a:r>
-              <a:rPr lang="pt-PT" dirty="0"/>
-              <a:t> </a:t>
-            </a:r>
-            <a:r>
-              <a:rPr lang="pt-PT" dirty="0" err="1"/>
-              <a:t>columns</a:t>
-            </a:r>
-            <a:r>
-              <a:rPr lang="pt-PT" dirty="0"/>
-              <a:t>, as </a:t>
-            </a:r>
-            <a:r>
-              <a:rPr lang="pt-PT" dirty="0" err="1"/>
-              <a:t>well</a:t>
-            </a:r>
-            <a:r>
-              <a:rPr lang="pt-PT" dirty="0"/>
-              <a:t> as </a:t>
-            </a:r>
-            <a:r>
-              <a:rPr lang="pt-PT" dirty="0" err="1"/>
-              <a:t>the</a:t>
-            </a:r>
-            <a:r>
-              <a:rPr lang="pt-PT" dirty="0"/>
-              <a:t> </a:t>
-            </a:r>
-            <a:r>
-              <a:rPr lang="pt-PT" dirty="0" err="1"/>
-              <a:t>features</a:t>
-            </a:r>
-            <a:r>
-              <a:rPr lang="pt-PT" dirty="0"/>
-              <a:t> </a:t>
-            </a:r>
-            <a:r>
-              <a:rPr lang="pt-PT" dirty="0" err="1"/>
-              <a:t>columns</a:t>
-            </a:r>
-            <a:endParaRPr lang="en-GB" dirty="0"/>
-          </a:p>
-        </p:txBody>
-      </p:sp>
-      <p:sp>
-        <p:nvSpPr>
-          <p:cNvPr id="4" name="Title 1">
-            <a:extLst>
-              <a:ext uri="{FF2B5EF4-FFF2-40B4-BE49-F238E27FC236}">
-                <a16:creationId xmlns:a16="http://schemas.microsoft.com/office/drawing/2014/main" id="{84568331-0E1E-40B6-8A22-D007A2CC0CBF}"/>
-              </a:ext>
-            </a:extLst>
-          </p:cNvPr>
-          <p:cNvSpPr>
-            <a:spLocks noGrp="1"/>
-          </p:cNvSpPr>
-          <p:nvPr>
-            <p:ph type="title"/>
-          </p:nvPr>
-        </p:nvSpPr>
-        <p:spPr>
-          <a:xfrm>
-            <a:off x="838200" y="365125"/>
-            <a:ext cx="10515600" cy="1325563"/>
-          </a:xfrm>
-          <a:solidFill>
-            <a:schemeClr val="accent2"/>
-          </a:solidFill>
-        </p:spPr>
-        <p:txBody>
-          <a:bodyPr/>
-          <a:lstStyle/>
-          <a:p>
-            <a:r>
-              <a:rPr lang="pt-PT" b="1" dirty="0">
-                <a:solidFill>
-                  <a:schemeClr val="bg1"/>
-                </a:solidFill>
-                <a:effectLst>
-                  <a:outerShdw blurRad="38100" dist="38100" dir="2700000" algn="tl">
-                    <a:srgbClr val="000000">
-                      <a:alpha val="43137"/>
-                    </a:srgbClr>
-                  </a:outerShdw>
-                </a:effectLst>
-              </a:rPr>
-              <a:t>Data </a:t>
-            </a:r>
-            <a:r>
-              <a:rPr lang="pt-PT" b="1" dirty="0" err="1">
-                <a:solidFill>
-                  <a:schemeClr val="bg1"/>
-                </a:solidFill>
-                <a:effectLst>
-                  <a:outerShdw blurRad="38100" dist="38100" dir="2700000" algn="tl">
-                    <a:srgbClr val="000000">
-                      <a:alpha val="43137"/>
-                    </a:srgbClr>
-                  </a:outerShdw>
-                </a:effectLst>
-              </a:rPr>
-              <a:t>Cleaning</a:t>
-            </a:r>
-            <a:r>
-              <a:rPr lang="pt-PT" b="1" dirty="0">
-                <a:solidFill>
-                  <a:schemeClr val="bg1"/>
-                </a:solidFill>
-                <a:effectLst>
-                  <a:outerShdw blurRad="38100" dist="38100" dir="2700000" algn="tl">
-                    <a:srgbClr val="000000">
-                      <a:alpha val="43137"/>
-                    </a:srgbClr>
-                  </a:outerShdw>
-                </a:effectLst>
-              </a:rPr>
-              <a:t> Steps</a:t>
-            </a:r>
-            <a:endParaRPr lang="en-GB" b="1" dirty="0">
-              <a:solidFill>
-                <a:schemeClr val="bg1"/>
-              </a:solidFill>
-              <a:effectLst>
-                <a:outerShdw blurRad="38100" dist="38100" dir="2700000" algn="tl">
-                  <a:srgbClr val="000000">
-                    <a:alpha val="43137"/>
-                  </a:srgbClr>
-                </a:outerShdw>
-              </a:effectLst>
-            </a:endParaRPr>
-          </a:p>
-        </p:txBody>
-      </p:sp>
-      <p:pic>
-        <p:nvPicPr>
-          <p:cNvPr id="6" name="Picture 5">
-            <a:extLst>
-              <a:ext uri="{FF2B5EF4-FFF2-40B4-BE49-F238E27FC236}">
-                <a16:creationId xmlns:a16="http://schemas.microsoft.com/office/drawing/2014/main" id="{69769013-82BA-4734-8C3B-BCF869425628}"/>
-              </a:ext>
-            </a:extLst>
-          </p:cNvPr>
-          <p:cNvPicPr>
-            <a:picLocks noChangeAspect="1"/>
-          </p:cNvPicPr>
-          <p:nvPr/>
-        </p:nvPicPr>
-        <p:blipFill>
-          <a:blip r:embed="rId2"/>
-          <a:stretch>
-            <a:fillRect/>
-          </a:stretch>
-        </p:blipFill>
-        <p:spPr>
-          <a:xfrm>
-            <a:off x="1072920" y="2725152"/>
-            <a:ext cx="3314643" cy="3767723"/>
-          </a:xfrm>
-          <a:prstGeom prst="rect">
-            <a:avLst/>
-          </a:prstGeom>
-        </p:spPr>
-      </p:pic>
-      <p:pic>
-        <p:nvPicPr>
-          <p:cNvPr id="8" name="Picture 7">
-            <a:extLst>
-              <a:ext uri="{FF2B5EF4-FFF2-40B4-BE49-F238E27FC236}">
-                <a16:creationId xmlns:a16="http://schemas.microsoft.com/office/drawing/2014/main" id="{626D752E-7AF4-42C9-8806-97254934BEAD}"/>
-              </a:ext>
-            </a:extLst>
-          </p:cNvPr>
-          <p:cNvPicPr>
-            <a:picLocks noChangeAspect="1"/>
-          </p:cNvPicPr>
-          <p:nvPr/>
-        </p:nvPicPr>
-        <p:blipFill>
-          <a:blip r:embed="rId3"/>
-          <a:stretch>
-            <a:fillRect/>
-          </a:stretch>
-        </p:blipFill>
-        <p:spPr>
-          <a:xfrm>
-            <a:off x="4778851" y="2725153"/>
-            <a:ext cx="6574950" cy="2399104"/>
-          </a:xfrm>
-          <a:prstGeom prst="rect">
-            <a:avLst/>
-          </a:prstGeom>
-        </p:spPr>
-      </p:pic>
-    </p:spTree>
-    <p:extLst>
-      <p:ext uri="{BB962C8B-B14F-4D97-AF65-F5344CB8AC3E}">
-        <p14:creationId xmlns:p14="http://schemas.microsoft.com/office/powerpoint/2010/main" val="611633365"/>
-      </p:ext>
-    </p:extLst>
-  </p:cSld>
-  <p:clrMapOvr>
-    <a:masterClrMapping/>
-  </p:clrMapOvr>
-  <p:timing>
-    <p:tnLst>
-      <p:par>
-        <p:cTn id="1" dur="indefinite" restart="never" nodeType="tmRoot">
-          <p:childTnLst>
-            <p:seq concurrent="1" nextAc="seek">
-              <p:cTn id="2" dur="indefinite" nodeType="mainSeq">
-                <p:childTnLst>
-                  <p:par>
-                    <p:cTn id="3" fill="hold">
-                      <p:stCondLst>
-                        <p:cond delay="indefinite"/>
-                      </p:stCondLst>
-                      <p:childTnLst>
-                        <p:par>
-                          <p:cTn id="4" fill="hold">
-                            <p:stCondLst>
-                              <p:cond delay="0"/>
-                            </p:stCondLst>
-                            <p:childTnLst>
-                              <p:par>
-                                <p:cTn id="5" presetID="1" presetClass="entr" presetSubtype="0" fill="hold" nodeType="clickEffect">
-                                  <p:stCondLst>
-                                    <p:cond delay="0"/>
-                                  </p:stCondLst>
-                                  <p:childTnLst>
-                                    <p:set>
-                                      <p:cBhvr>
-                                        <p:cTn id="6" dur="1" fill="hold">
-                                          <p:stCondLst>
-                                            <p:cond delay="0"/>
-                                          </p:stCondLst>
-                                        </p:cTn>
-                                        <p:tgtEl>
-                                          <p:spTgt spid="6"/>
-                                        </p:tgtEl>
-                                        <p:attrNameLst>
-                                          <p:attrName>style.visibility</p:attrName>
-                                        </p:attrNameLst>
-                                      </p:cBhvr>
-                                      <p:to>
-                                        <p:strVal val="visible"/>
-                                      </p:to>
-                                    </p:set>
-                                  </p:childTnLst>
-                                </p:cTn>
-                              </p:par>
-                            </p:childTnLst>
-                          </p:cTn>
-                        </p:par>
-                      </p:childTnLst>
-                    </p:cTn>
-                  </p:par>
-                  <p:par>
-                    <p:cTn id="7" fill="hold">
-                      <p:stCondLst>
-                        <p:cond delay="indefinite"/>
-                      </p:stCondLst>
-                      <p:childTnLst>
-                        <p:par>
-                          <p:cTn id="8" fill="hold">
-                            <p:stCondLst>
-                              <p:cond delay="0"/>
-                            </p:stCondLst>
-                            <p:childTnLst>
-                              <p:par>
-                                <p:cTn id="9" presetID="1" presetClass="entr" presetSubtype="0" fill="hold" nodeType="clickEffect">
-                                  <p:stCondLst>
-                                    <p:cond delay="0"/>
-                                  </p:stCondLst>
-                                  <p:childTnLst>
-                                    <p:set>
-                                      <p:cBhvr>
-                                        <p:cTn id="10" dur="1" fill="hold">
-                                          <p:stCondLst>
-                                            <p:cond delay="0"/>
-                                          </p:stCondLst>
-                                        </p:cTn>
-                                        <p:tgtEl>
-                                          <p:spTgt spid="8"/>
-                                        </p:tgtEl>
-                                        <p:attrNameLst>
-                                          <p:attrName>style.visibility</p:attrName>
-                                        </p:attrNameLst>
-                                      </p:cBhvr>
-                                      <p:to>
-                                        <p:strVal val="visible"/>
-                                      </p:to>
-                                    </p:set>
-                                  </p:childTnLst>
-                                </p:cTn>
-                              </p:par>
-                            </p:childTnLst>
-                          </p:cTn>
-                        </p:par>
-                      </p:childTnLst>
-                    </p:cTn>
-                  </p:par>
-                </p:childTnLst>
-              </p:cTn>
-              <p:prevCondLst>
-                <p:cond evt="onPrev" delay="0">
-                  <p:tgtEl>
-                    <p:sldTgt/>
-                  </p:tgtEl>
-                </p:cond>
-              </p:prevCondLst>
-              <p:nextCondLst>
-                <p:cond evt="onNext" delay="0">
-                  <p:tgtEl>
-                    <p:sldTgt/>
-                  </p:tgtEl>
-                </p:cond>
-              </p:nextCondLst>
-            </p:seq>
-          </p:childTnLst>
-        </p:cTn>
-      </p:par>
-    </p:tnLst>
-  </p:timing>
-</p:sld>
-</file>
-
-<file path=ppt/slides/slide8.xml><?xml version="1.0" encoding="utf-8"?>
-<p:sld xmlns:a="http://schemas.openxmlformats.org/drawingml/2006/main" xmlns:r="http://schemas.openxmlformats.org/officeDocument/2006/relationships" xmlns:p="http://schemas.openxmlformats.org/presentationml/2006/main">
-  <p:cSld>
-    <p:spTree>
-      <p:nvGrpSpPr>
-        <p:cNvPr id="1" name=""/>
-        <p:cNvGrpSpPr/>
-        <p:nvPr/>
-      </p:nvGrpSpPr>
-      <p:grpSpPr>
-        <a:xfrm>
-          <a:off x="0" y="0"/>
-          <a:ext cx="0" cy="0"/>
-          <a:chOff x="0" y="0"/>
-          <a:chExt cx="0" cy="0"/>
-        </a:xfrm>
-      </p:grpSpPr>
-      <p:sp>
-        <p:nvSpPr>
-          <p:cNvPr id="3" name="Content Placeholder 2">
-            <a:extLst>
-              <a:ext uri="{FF2B5EF4-FFF2-40B4-BE49-F238E27FC236}">
-                <a16:creationId xmlns:a16="http://schemas.microsoft.com/office/drawing/2014/main" id="{1079954E-45B5-4651-83E1-483711026003}"/>
-              </a:ext>
-            </a:extLst>
-          </p:cNvPr>
-          <p:cNvSpPr>
-            <a:spLocks noGrp="1"/>
-          </p:cNvSpPr>
-          <p:nvPr>
-            <p:ph idx="1"/>
-          </p:nvPr>
-        </p:nvSpPr>
-        <p:spPr/>
-        <p:txBody>
-          <a:bodyPr/>
-          <a:lstStyle/>
-          <a:p>
-            <a:r>
-              <a:rPr lang="pt-PT" dirty="0"/>
-              <a:t>Price </a:t>
-            </a:r>
-            <a:r>
-              <a:rPr lang="pt-PT" dirty="0" err="1"/>
-              <a:t>Binnings</a:t>
-            </a:r>
-            <a:r>
-              <a:rPr lang="pt-PT" dirty="0"/>
-              <a:t>;</a:t>
-            </a:r>
-          </a:p>
-          <a:p>
-            <a:endParaRPr lang="pt-PT" dirty="0"/>
-          </a:p>
-          <a:p>
-            <a:r>
-              <a:rPr lang="pt-PT" dirty="0" err="1"/>
-              <a:t>Correlations</a:t>
-            </a:r>
-            <a:r>
-              <a:rPr lang="pt-PT" dirty="0"/>
-              <a:t> </a:t>
-            </a:r>
-            <a:r>
-              <a:rPr lang="pt-PT" dirty="0" err="1"/>
-              <a:t>between</a:t>
-            </a:r>
-            <a:r>
-              <a:rPr lang="pt-PT" dirty="0"/>
-              <a:t> </a:t>
-            </a:r>
-            <a:r>
-              <a:rPr lang="pt-PT" dirty="0" err="1"/>
-              <a:t>the</a:t>
-            </a:r>
-            <a:r>
-              <a:rPr lang="pt-PT" dirty="0"/>
-              <a:t> </a:t>
-            </a:r>
-            <a:r>
-              <a:rPr lang="pt-PT" dirty="0" err="1"/>
-              <a:t>number</a:t>
-            </a:r>
-            <a:r>
-              <a:rPr lang="pt-PT" dirty="0"/>
-              <a:t> </a:t>
-            </a:r>
-            <a:r>
-              <a:rPr lang="pt-PT" dirty="0" err="1"/>
-              <a:t>of</a:t>
-            </a:r>
-            <a:r>
-              <a:rPr lang="pt-PT" dirty="0"/>
-              <a:t> </a:t>
-            </a:r>
-            <a:r>
-              <a:rPr lang="pt-PT" dirty="0" err="1"/>
-              <a:t>reviews</a:t>
-            </a:r>
-            <a:r>
-              <a:rPr lang="pt-PT" dirty="0"/>
-              <a:t> </a:t>
-            </a:r>
-            <a:r>
-              <a:rPr lang="pt-PT" dirty="0" err="1"/>
-              <a:t>and</a:t>
-            </a:r>
-            <a:r>
-              <a:rPr lang="pt-PT" dirty="0"/>
-              <a:t> </a:t>
-            </a:r>
-            <a:r>
-              <a:rPr lang="pt-PT" dirty="0" err="1"/>
-              <a:t>the</a:t>
-            </a:r>
-            <a:r>
-              <a:rPr lang="pt-PT" dirty="0"/>
-              <a:t> </a:t>
-            </a:r>
-            <a:r>
-              <a:rPr lang="pt-PT" dirty="0" err="1"/>
-              <a:t>prices</a:t>
-            </a:r>
-            <a:r>
-              <a:rPr lang="pt-PT" dirty="0"/>
-              <a:t>;</a:t>
-            </a:r>
-          </a:p>
-          <a:p>
-            <a:endParaRPr lang="pt-PT" dirty="0"/>
-          </a:p>
-          <a:p>
-            <a:r>
-              <a:rPr lang="en-GB" dirty="0"/>
-              <a:t>Calculate average discount applied to the products and check the impact on the number of reviews and stock;</a:t>
-            </a:r>
-          </a:p>
-          <a:p>
-            <a:endParaRPr lang="en-GB" dirty="0"/>
-          </a:p>
-        </p:txBody>
-      </p:sp>
-      <p:sp>
-        <p:nvSpPr>
-          <p:cNvPr id="4" name="Title 1">
-            <a:extLst>
-              <a:ext uri="{FF2B5EF4-FFF2-40B4-BE49-F238E27FC236}">
-                <a16:creationId xmlns:a16="http://schemas.microsoft.com/office/drawing/2014/main" id="{84568331-0E1E-40B6-8A22-D007A2CC0CBF}"/>
-              </a:ext>
-            </a:extLst>
-          </p:cNvPr>
-          <p:cNvSpPr>
-            <a:spLocks noGrp="1"/>
-          </p:cNvSpPr>
-          <p:nvPr>
-            <p:ph type="title"/>
-          </p:nvPr>
-        </p:nvSpPr>
-        <p:spPr>
-          <a:xfrm>
-            <a:off x="838200" y="365125"/>
-            <a:ext cx="10515600" cy="1325563"/>
-          </a:xfrm>
-          <a:solidFill>
-            <a:schemeClr val="accent2"/>
-          </a:solidFill>
-        </p:spPr>
-        <p:txBody>
-          <a:bodyPr/>
-          <a:lstStyle/>
-          <a:p>
-            <a:r>
-              <a:rPr lang="pt-PT" b="1" dirty="0">
-                <a:solidFill>
-                  <a:schemeClr val="bg1"/>
-                </a:solidFill>
-                <a:effectLst>
-                  <a:outerShdw blurRad="38100" dist="38100" dir="2700000" algn="tl">
-                    <a:srgbClr val="000000">
-                      <a:alpha val="43137"/>
-                    </a:srgbClr>
-                  </a:outerShdw>
-                </a:effectLst>
-              </a:rPr>
-              <a:t>Data </a:t>
-            </a:r>
-            <a:r>
-              <a:rPr lang="pt-PT" b="1" dirty="0" err="1">
-                <a:solidFill>
-                  <a:schemeClr val="bg1"/>
-                </a:solidFill>
-                <a:effectLst>
-                  <a:outerShdw blurRad="38100" dist="38100" dir="2700000" algn="tl">
-                    <a:srgbClr val="000000">
-                      <a:alpha val="43137"/>
-                    </a:srgbClr>
-                  </a:outerShdw>
-                </a:effectLst>
-              </a:rPr>
-              <a:t>Potential</a:t>
-            </a:r>
-            <a:endParaRPr lang="en-GB" b="1" dirty="0">
-              <a:solidFill>
-                <a:schemeClr val="bg1"/>
-              </a:solidFill>
-              <a:effectLst>
-                <a:outerShdw blurRad="38100" dist="38100" dir="2700000" algn="tl">
-                  <a:srgbClr val="000000">
-                    <a:alpha val="43137"/>
-                  </a:srgbClr>
-                </a:outerShdw>
-              </a:effectLst>
-            </a:endParaRPr>
-          </a:p>
-        </p:txBody>
-      </p:sp>
-    </p:spTree>
-    <p:extLst>
-      <p:ext uri="{BB962C8B-B14F-4D97-AF65-F5344CB8AC3E}">
-        <p14:creationId xmlns:p14="http://schemas.microsoft.com/office/powerpoint/2010/main" val="2289925252"/>
-      </p:ext>
-    </p:extLst>
-  </p:cSld>
-  <p:clrMapOvr>
-    <a:masterClrMapping/>
-  </p:clrMapOvr>
-  <p:timing>
-    <p:tnLst>
-      <p:par>
-        <p:cTn id="1" dur="indefinite" restart="never" nodeType="tmRoot">
-          <p:childTnLst>
-            <p:seq concurrent="1" nextAc="seek">
-              <p:cTn id="2" dur="indefinite" nodeType="mainSeq">
-                <p:childTnLst>
-                  <p:par>
-                    <p:cTn id="3" fill="hold">
-                      <p:stCondLst>
-                        <p:cond delay="indefinite"/>
-                      </p:stCondLst>
-                      <p:childTnLst>
-                        <p:par>
-                          <p:cTn id="4" fill="hold">
-                            <p:stCondLst>
-                              <p:cond delay="0"/>
-                            </p:stCondLst>
-                            <p:childTnLst>
-                              <p:par>
-                                <p:cTn id="5" presetID="1" presetClass="entr" presetSubtype="0" fill="hold" grpId="0" nodeType="clickEffect">
-                                  <p:stCondLst>
-                                    <p:cond delay="0"/>
-                                  </p:stCondLst>
-                                  <p:childTnLst>
-                                    <p:set>
-                                      <p:cBhvr>
-                                        <p:cTn id="6" dur="1" fill="hold">
-                                          <p:stCondLst>
-                                            <p:cond delay="0"/>
-                                          </p:stCondLst>
-                                        </p:cTn>
-                                        <p:tgtEl>
-                                          <p:spTgt spid="3">
-                                            <p:txEl>
-                                              <p:pRg st="0" end="0"/>
-                                            </p:txEl>
-                                          </p:spTgt>
-                                        </p:tgtEl>
-                                        <p:attrNameLst>
-                                          <p:attrName>style.visibility</p:attrName>
-                                        </p:attrNameLst>
-                                      </p:cBhvr>
-                                      <p:to>
-                                        <p:strVal val="visible"/>
-                                      </p:to>
-                                    </p:set>
-                                  </p:childTnLst>
-                                </p:cTn>
-                              </p:par>
-                            </p:childTnLst>
-                          </p:cTn>
-                        </p:par>
-                      </p:childTnLst>
-                    </p:cTn>
-                  </p:par>
-                  <p:par>
-                    <p:cTn id="7" fill="hold">
-                      <p:stCondLst>
-                        <p:cond delay="indefinite"/>
-                      </p:stCondLst>
-                      <p:childTnLst>
-                        <p:par>
-                          <p:cTn id="8" fill="hold">
-                            <p:stCondLst>
-                              <p:cond delay="0"/>
-                            </p:stCondLst>
-                            <p:childTnLst>
-                              <p:par>
-                                <p:cTn id="9" presetID="1" presetClass="entr" presetSubtype="0" fill="hold" grpId="0" nodeType="clickEffect">
-                                  <p:stCondLst>
-                                    <p:cond delay="0"/>
-                                  </p:stCondLst>
-                                  <p:childTnLst>
-                                    <p:set>
-                                      <p:cBhvr>
-                                        <p:cTn id="10" dur="1" fill="hold">
-                                          <p:stCondLst>
-                                            <p:cond delay="0"/>
-                                          </p:stCondLst>
-                                        </p:cTn>
-                                        <p:tgtEl>
-                                          <p:spTgt spid="3">
-                                            <p:txEl>
-                                              <p:pRg st="2" end="2"/>
-                                            </p:txEl>
-                                          </p:spTgt>
-                                        </p:tgtEl>
-                                        <p:attrNameLst>
-                                          <p:attrName>style.visibility</p:attrName>
-                                        </p:attrNameLst>
-                                      </p:cBhvr>
-                                      <p:to>
-                                        <p:strVal val="visible"/>
-                                      </p:to>
-                                    </p:set>
-                                  </p:childTnLst>
-                                </p:cTn>
-                              </p:par>
-                            </p:childTnLst>
-                          </p:cTn>
-                        </p:par>
-                      </p:childTnLst>
-                    </p:cTn>
-                  </p:par>
-                  <p:par>
-                    <p:cTn id="11" fill="hold">
-                      <p:stCondLst>
-                        <p:cond delay="indefinite"/>
-                      </p:stCondLst>
-                      <p:childTnLst>
-                        <p:par>
-                          <p:cTn id="12" fill="hold">
-                            <p:stCondLst>
-                              <p:cond delay="0"/>
-                            </p:stCondLst>
-                            <p:childTnLst>
-                              <p:par>
-                                <p:cTn id="13" presetID="1" presetClass="entr" presetSubtype="0" fill="hold" grpId="0" nodeType="clickEffect">
-                                  <p:stCondLst>
-                                    <p:cond delay="0"/>
-                                  </p:stCondLst>
-                                  <p:childTnLst>
-                                    <p:set>
-                                      <p:cBhvr>
-                                        <p:cTn id="14" dur="1" fill="hold">
-                                          <p:stCondLst>
-                                            <p:cond delay="0"/>
-                                          </p:stCondLst>
-                                        </p:cTn>
-                                        <p:tgtEl>
-                                          <p:spTgt spid="3">
-                                            <p:txEl>
-                                              <p:pRg st="4" end="4"/>
-                                            </p:txEl>
-                                          </p:spTgt>
-                                        </p:tgtEl>
-                                        <p:attrNameLst>
-                                          <p:attrName>style.visibility</p:attrName>
-                                        </p:attrNameLst>
-                                      </p:cBhvr>
-                                      <p:to>
-                                        <p:strVal val="visible"/>
-                                      </p:to>
-                                    </p:set>
-                                  </p:childTnLst>
-                                </p:cTn>
-                              </p:par>
-                            </p:childTnLst>
-                          </p:cTn>
-                        </p:par>
-                      </p:childTnLst>
-                    </p:cTn>
-                  </p:par>
-                </p:childTnLst>
-              </p:cTn>
-              <p:prevCondLst>
-                <p:cond evt="onPrev" delay="0">
-                  <p:tgtEl>
-                    <p:sldTgt/>
-                  </p:tgtEl>
-                </p:cond>
-              </p:prevCondLst>
-              <p:nextCondLst>
-                <p:cond evt="onNext" delay="0">
-                  <p:tgtEl>
-                    <p:sldTgt/>
-                  </p:tgtEl>
-                </p:cond>
-              </p:nextCondLst>
-            </p:seq>
-          </p:childTnLst>
-        </p:cTn>
-      </p:par>
-    </p:tnLst>
-    <p:bldLst>
-      <p:bldP spid="3" grpId="0" build="p"/>
-    </p:bldLst>
-  </p:timing>
-</p:sld>
-</file>
-
-<file path=ppt/slides/slide9.xml><?xml version="1.0" encoding="utf-8"?>
+<file path=ppt/slides/slide10.xml><?xml version="1.0" encoding="utf-8"?>
 <p:sld xmlns:a="http://schemas.openxmlformats.org/drawingml/2006/main" xmlns:r="http://schemas.openxmlformats.org/officeDocument/2006/relationships" xmlns:p="http://schemas.openxmlformats.org/presentationml/2006/main">
   <p:cSld>
     <p:spTree>
@@ -7325,6 +4805,2592 @@
                                         </p:cTn>
                                         <p:tgtEl>
                                           <p:spTgt spid="6">
+                                            <p:txEl>
+                                              <p:pRg st="4" end="4"/>
+                                            </p:txEl>
+                                          </p:spTgt>
+                                        </p:tgtEl>
+                                        <p:attrNameLst>
+                                          <p:attrName>style.visibility</p:attrName>
+                                        </p:attrNameLst>
+                                      </p:cBhvr>
+                                      <p:to>
+                                        <p:strVal val="visible"/>
+                                      </p:to>
+                                    </p:set>
+                                  </p:childTnLst>
+                                </p:cTn>
+                              </p:par>
+                            </p:childTnLst>
+                          </p:cTn>
+                        </p:par>
+                      </p:childTnLst>
+                    </p:cTn>
+                  </p:par>
+                </p:childTnLst>
+              </p:cTn>
+              <p:prevCondLst>
+                <p:cond evt="onPrev" delay="0">
+                  <p:tgtEl>
+                    <p:sldTgt/>
+                  </p:tgtEl>
+                </p:cond>
+              </p:prevCondLst>
+              <p:nextCondLst>
+                <p:cond evt="onNext" delay="0">
+                  <p:tgtEl>
+                    <p:sldTgt/>
+                  </p:tgtEl>
+                </p:cond>
+              </p:nextCondLst>
+            </p:seq>
+          </p:childTnLst>
+        </p:cTn>
+      </p:par>
+    </p:tnLst>
+    <p:bldLst>
+      <p:bldP spid="3" grpId="0" build="p"/>
+    </p:bldLst>
+  </p:timing>
+</p:sld>
+</file>
+
+<file path=ppt/slides/slide2.xml><?xml version="1.0" encoding="utf-8"?>
+<p:sld xmlns:a="http://schemas.openxmlformats.org/drawingml/2006/main" xmlns:r="http://schemas.openxmlformats.org/officeDocument/2006/relationships" xmlns:p="http://schemas.openxmlformats.org/presentationml/2006/main">
+  <p:cSld>
+    <p:spTree>
+      <p:nvGrpSpPr>
+        <p:cNvPr id="1" name=""/>
+        <p:cNvGrpSpPr/>
+        <p:nvPr/>
+      </p:nvGrpSpPr>
+      <p:grpSpPr>
+        <a:xfrm>
+          <a:off x="0" y="0"/>
+          <a:ext cx="0" cy="0"/>
+          <a:chOff x="0" y="0"/>
+          <a:chExt cx="0" cy="0"/>
+        </a:xfrm>
+      </p:grpSpPr>
+      <p:pic>
+        <p:nvPicPr>
+          <p:cNvPr id="7" name="Picture 6">
+            <a:extLst>
+              <a:ext uri="{FF2B5EF4-FFF2-40B4-BE49-F238E27FC236}">
+                <a16:creationId xmlns:a16="http://schemas.microsoft.com/office/drawing/2014/main" id="{9ECD09DD-686B-4F0E-9A4D-693F76FA742D}"/>
+              </a:ext>
+            </a:extLst>
+          </p:cNvPr>
+          <p:cNvPicPr>
+            <a:picLocks noChangeAspect="1"/>
+          </p:cNvPicPr>
+          <p:nvPr/>
+        </p:nvPicPr>
+        <p:blipFill>
+          <a:blip r:embed="rId2"/>
+          <a:stretch>
+            <a:fillRect/>
+          </a:stretch>
+        </p:blipFill>
+        <p:spPr>
+          <a:xfrm>
+            <a:off x="0" y="494950"/>
+            <a:ext cx="12192000" cy="5947795"/>
+          </a:xfrm>
+          <a:prstGeom prst="rect">
+            <a:avLst/>
+          </a:prstGeom>
+        </p:spPr>
+      </p:pic>
+    </p:spTree>
+    <p:extLst>
+      <p:ext uri="{BB962C8B-B14F-4D97-AF65-F5344CB8AC3E}">
+        <p14:creationId xmlns:p14="http://schemas.microsoft.com/office/powerpoint/2010/main" val="3888950592"/>
+      </p:ext>
+    </p:extLst>
+  </p:cSld>
+  <p:clrMapOvr>
+    <a:masterClrMapping/>
+  </p:clrMapOvr>
+</p:sld>
+</file>
+
+<file path=ppt/slides/slide3.xml><?xml version="1.0" encoding="utf-8"?>
+<p:sld xmlns:a="http://schemas.openxmlformats.org/drawingml/2006/main" xmlns:r="http://schemas.openxmlformats.org/officeDocument/2006/relationships" xmlns:p="http://schemas.openxmlformats.org/presentationml/2006/main">
+  <p:cSld>
+    <p:bg>
+      <p:bgPr>
+        <a:solidFill>
+          <a:schemeClr val="bg1"/>
+        </a:solidFill>
+        <a:effectLst/>
+      </p:bgPr>
+    </p:bg>
+    <p:spTree>
+      <p:nvGrpSpPr>
+        <p:cNvPr id="1" name=""/>
+        <p:cNvGrpSpPr/>
+        <p:nvPr/>
+      </p:nvGrpSpPr>
+      <p:grpSpPr>
+        <a:xfrm>
+          <a:off x="0" y="0"/>
+          <a:ext cx="0" cy="0"/>
+          <a:chOff x="0" y="0"/>
+          <a:chExt cx="0" cy="0"/>
+        </a:xfrm>
+      </p:grpSpPr>
+      <p:sp>
+        <p:nvSpPr>
+          <p:cNvPr id="11" name="Rectangle 10">
+            <a:extLst>
+              <a:ext uri="{FF2B5EF4-FFF2-40B4-BE49-F238E27FC236}">
+                <a16:creationId xmlns:a16="http://schemas.microsoft.com/office/drawing/2014/main" id="{23962611-DFD5-4092-AAFD-559E3DFCE2C9}"/>
+              </a:ext>
+              <a:ext uri="{C183D7F6-B498-43B3-948B-1728B52AA6E4}">
+                <adec:decorative xmlns:adec="http://schemas.microsoft.com/office/drawing/2017/decorative" val="1"/>
+              </a:ext>
+            </a:extLst>
+          </p:cNvPr>
+          <p:cNvSpPr>
+            <a:spLocks noGrp="1" noRot="1" noChangeAspect="1" noMove="1" noResize="1" noEditPoints="1" noAdjustHandles="1" noChangeArrowheads="1" noChangeShapeType="1" noTextEdit="1"/>
+          </p:cNvSpPr>
+          <p:nvPr>
+            <p:extLst>
+              <p:ext uri="{386F3935-93C4-4BCD-93E2-E3B085C9AB24}">
+                <p16:designElem xmlns:p16="http://schemas.microsoft.com/office/powerpoint/2015/main" val="1"/>
+              </p:ext>
+            </p:extLst>
+          </p:nvPr>
+        </p:nvSpPr>
+        <p:spPr>
+          <a:xfrm>
+            <a:off x="475488" y="0"/>
+            <a:ext cx="10910292" cy="6858000"/>
+          </a:xfrm>
+          <a:prstGeom prst="rect">
+            <a:avLst/>
+          </a:prstGeom>
+          <a:gradFill>
+            <a:gsLst>
+              <a:gs pos="0">
+                <a:schemeClr val="accent1">
+                  <a:lumMod val="90000"/>
+                </a:schemeClr>
+              </a:gs>
+              <a:gs pos="25000">
+                <a:schemeClr val="accent1">
+                  <a:lumMod val="90000"/>
+                </a:schemeClr>
+              </a:gs>
+              <a:gs pos="94000">
+                <a:schemeClr val="bg2">
+                  <a:lumMod val="25000"/>
+                </a:schemeClr>
+              </a:gs>
+              <a:gs pos="100000">
+                <a:schemeClr val="bg2">
+                  <a:lumMod val="25000"/>
+                </a:schemeClr>
+              </a:gs>
+            </a:gsLst>
+            <a:lin ang="4200000" scaled="0"/>
+          </a:gradFill>
+          <a:ln>
+            <a:noFill/>
+          </a:ln>
+        </p:spPr>
+        <p:style>
+          <a:lnRef idx="2">
+            <a:schemeClr val="accent1">
+              <a:shade val="50000"/>
+            </a:schemeClr>
+          </a:lnRef>
+          <a:fillRef idx="1">
+            <a:schemeClr val="accent1"/>
+          </a:fillRef>
+          <a:effectRef idx="0">
+            <a:schemeClr val="accent1"/>
+          </a:effectRef>
+          <a:fontRef idx="minor">
+            <a:schemeClr val="lt1"/>
+          </a:fontRef>
+        </p:style>
+        <p:txBody>
+          <a:bodyPr rtlCol="0" anchor="ctr"/>
+          <a:lstStyle/>
+          <a:p>
+            <a:pPr algn="ctr"/>
+            <a:endParaRPr lang="en-US"/>
+          </a:p>
+        </p:txBody>
+      </p:sp>
+      <p:pic>
+        <p:nvPicPr>
+          <p:cNvPr id="13" name="Picture 12">
+            <a:extLst>
+              <a:ext uri="{FF2B5EF4-FFF2-40B4-BE49-F238E27FC236}">
+                <a16:creationId xmlns:a16="http://schemas.microsoft.com/office/drawing/2014/main" id="{2270F1FA-0425-408F-9861-80BF5AFB276D}"/>
+              </a:ext>
+              <a:ext uri="{C183D7F6-B498-43B3-948B-1728B52AA6E4}">
+                <adec:decorative xmlns:adec="http://schemas.microsoft.com/office/drawing/2017/decorative" val="1"/>
+              </a:ext>
+            </a:extLst>
+          </p:cNvPr>
+          <p:cNvPicPr>
+            <a:picLocks noGrp="1" noRot="1" noChangeAspect="1" noMove="1" noResize="1" noEditPoints="1" noAdjustHandles="1" noChangeArrowheads="1" noChangeShapeType="1" noCrop="1"/>
+          </p:cNvPicPr>
+          <p:nvPr>
+            <p:extLst>
+              <p:ext uri="{386F3935-93C4-4BCD-93E2-E3B085C9AB24}">
+                <p16:designElem xmlns:p16="http://schemas.microsoft.com/office/powerpoint/2015/main" val="1"/>
+              </p:ext>
+            </p:extLst>
+          </p:nvPr>
+        </p:nvPicPr>
+        <p:blipFill>
+          <a:blip r:embed="rId2">
+            <a:extLst>
+              <a:ext uri="{28A0092B-C50C-407E-A947-70E740481C1C}">
+                <a14:useLocalDpi xmlns:a14="http://schemas.microsoft.com/office/drawing/2010/main" val="0"/>
+              </a:ext>
+            </a:extLst>
+          </a:blip>
+          <a:stretch>
+            <a:fillRect/>
+          </a:stretch>
+        </p:blipFill>
+        <p:spPr>
+          <a:xfrm>
+            <a:off x="0" y="0"/>
+            <a:ext cx="12192000" cy="6858000"/>
+          </a:xfrm>
+          <a:prstGeom prst="rect">
+            <a:avLst/>
+          </a:prstGeom>
+        </p:spPr>
+      </p:pic>
+      <p:sp>
+        <p:nvSpPr>
+          <p:cNvPr id="5" name="Title 4">
+            <a:extLst>
+              <a:ext uri="{FF2B5EF4-FFF2-40B4-BE49-F238E27FC236}">
+                <a16:creationId xmlns:a16="http://schemas.microsoft.com/office/drawing/2014/main" id="{193FBE8D-44DA-411A-9D15-A607F7128A6B}"/>
+              </a:ext>
+            </a:extLst>
+          </p:cNvPr>
+          <p:cNvSpPr>
+            <a:spLocks noGrp="1"/>
+          </p:cNvSpPr>
+          <p:nvPr>
+            <p:ph type="title"/>
+          </p:nvPr>
+        </p:nvSpPr>
+        <p:spPr>
+          <a:xfrm>
+            <a:off x="3045368" y="2043663"/>
+            <a:ext cx="6105194" cy="2754840"/>
+          </a:xfrm>
+        </p:spPr>
+        <p:txBody>
+          <a:bodyPr vert="horz" lIns="91440" tIns="45720" rIns="91440" bIns="45720" rtlCol="0" anchor="b">
+            <a:noAutofit/>
+          </a:bodyPr>
+          <a:lstStyle/>
+          <a:p>
+            <a:pPr algn="ctr"/>
+            <a:r>
+              <a:rPr lang="en-US" sz="8800" b="1" kern="1200" dirty="0" err="1">
+                <a:solidFill>
+                  <a:srgbClr val="FFFFFF"/>
+                </a:solidFill>
+                <a:effectLst>
+                  <a:outerShdw blurRad="38100" dist="38100" dir="2700000" algn="tl">
+                    <a:srgbClr val="000000">
+                      <a:alpha val="43137"/>
+                    </a:srgbClr>
+                  </a:outerShdw>
+                </a:effectLst>
+                <a:latin typeface="+mj-lt"/>
+                <a:ea typeface="+mj-ea"/>
+                <a:cs typeface="+mj-cs"/>
+              </a:rPr>
+              <a:t>Hipothetical</a:t>
+            </a:r>
+            <a:r>
+              <a:rPr lang="en-US" sz="8800" b="1" kern="1200" dirty="0">
+                <a:solidFill>
+                  <a:srgbClr val="FFFFFF"/>
+                </a:solidFill>
+                <a:effectLst>
+                  <a:outerShdw blurRad="38100" dist="38100" dir="2700000" algn="tl">
+                    <a:srgbClr val="000000">
+                      <a:alpha val="43137"/>
+                    </a:srgbClr>
+                  </a:outerShdw>
+                </a:effectLst>
+                <a:latin typeface="+mj-lt"/>
+                <a:ea typeface="+mj-ea"/>
+                <a:cs typeface="+mj-cs"/>
+              </a:rPr>
+              <a:t> case</a:t>
+            </a:r>
+          </a:p>
+        </p:txBody>
+      </p:sp>
+    </p:spTree>
+    <p:extLst>
+      <p:ext uri="{BB962C8B-B14F-4D97-AF65-F5344CB8AC3E}">
+        <p14:creationId xmlns:p14="http://schemas.microsoft.com/office/powerpoint/2010/main" val="1615215944"/>
+      </p:ext>
+    </p:extLst>
+  </p:cSld>
+  <p:clrMapOvr>
+    <a:masterClrMapping/>
+  </p:clrMapOvr>
+</p:sld>
+</file>
+
+<file path=ppt/slides/slide4.xml><?xml version="1.0" encoding="utf-8"?>
+<p:sld xmlns:a="http://schemas.openxmlformats.org/drawingml/2006/main" xmlns:r="http://schemas.openxmlformats.org/officeDocument/2006/relationships" xmlns:p="http://schemas.openxmlformats.org/presentationml/2006/main">
+  <p:cSld>
+    <p:spTree>
+      <p:nvGrpSpPr>
+        <p:cNvPr id="1" name=""/>
+        <p:cNvGrpSpPr/>
+        <p:nvPr/>
+      </p:nvGrpSpPr>
+      <p:grpSpPr>
+        <a:xfrm>
+          <a:off x="0" y="0"/>
+          <a:ext cx="0" cy="0"/>
+          <a:chOff x="0" y="0"/>
+          <a:chExt cx="0" cy="0"/>
+        </a:xfrm>
+      </p:grpSpPr>
+      <p:sp>
+        <p:nvSpPr>
+          <p:cNvPr id="2" name="Title 1">
+            <a:extLst>
+              <a:ext uri="{FF2B5EF4-FFF2-40B4-BE49-F238E27FC236}">
+                <a16:creationId xmlns:a16="http://schemas.microsoft.com/office/drawing/2014/main" id="{4911D607-C2BA-46E2-9055-F1CC461C14B5}"/>
+              </a:ext>
+            </a:extLst>
+          </p:cNvPr>
+          <p:cNvSpPr>
+            <a:spLocks noGrp="1"/>
+          </p:cNvSpPr>
+          <p:nvPr>
+            <p:ph type="title"/>
+          </p:nvPr>
+        </p:nvSpPr>
+        <p:spPr>
+          <a:solidFill>
+            <a:schemeClr val="accent2"/>
+          </a:solidFill>
+        </p:spPr>
+        <p:txBody>
+          <a:bodyPr/>
+          <a:lstStyle/>
+          <a:p>
+            <a:r>
+              <a:rPr lang="pt-PT" b="1" dirty="0" err="1">
+                <a:solidFill>
+                  <a:schemeClr val="bg1"/>
+                </a:solidFill>
+                <a:effectLst>
+                  <a:outerShdw blurRad="38100" dist="38100" dir="2700000" algn="tl">
+                    <a:srgbClr val="000000">
+                      <a:alpha val="43137"/>
+                    </a:srgbClr>
+                  </a:outerShdw>
+                </a:effectLst>
+              </a:rPr>
+              <a:t>Hipothetical</a:t>
+            </a:r>
+            <a:r>
+              <a:rPr lang="pt-PT" b="1" dirty="0">
+                <a:solidFill>
+                  <a:schemeClr val="bg1"/>
+                </a:solidFill>
+                <a:effectLst>
+                  <a:outerShdw blurRad="38100" dist="38100" dir="2700000" algn="tl">
+                    <a:srgbClr val="000000">
+                      <a:alpha val="43137"/>
+                    </a:srgbClr>
+                  </a:outerShdw>
+                </a:effectLst>
+              </a:rPr>
+              <a:t> Case</a:t>
+            </a:r>
+            <a:endParaRPr lang="en-GB" b="1" dirty="0">
+              <a:solidFill>
+                <a:schemeClr val="bg1"/>
+              </a:solidFill>
+              <a:effectLst>
+                <a:outerShdw blurRad="38100" dist="38100" dir="2700000" algn="tl">
+                  <a:srgbClr val="000000">
+                    <a:alpha val="43137"/>
+                  </a:srgbClr>
+                </a:outerShdw>
+              </a:effectLst>
+            </a:endParaRPr>
+          </a:p>
+        </p:txBody>
+      </p:sp>
+      <p:sp>
+        <p:nvSpPr>
+          <p:cNvPr id="3" name="Content Placeholder 2">
+            <a:extLst>
+              <a:ext uri="{FF2B5EF4-FFF2-40B4-BE49-F238E27FC236}">
+                <a16:creationId xmlns:a16="http://schemas.microsoft.com/office/drawing/2014/main" id="{27D7FF7C-63FA-4E1C-9CA5-C6494564F2C5}"/>
+              </a:ext>
+            </a:extLst>
+          </p:cNvPr>
+          <p:cNvSpPr>
+            <a:spLocks noGrp="1"/>
+          </p:cNvSpPr>
+          <p:nvPr>
+            <p:ph idx="1"/>
+          </p:nvPr>
+        </p:nvSpPr>
+        <p:spPr/>
+        <p:txBody>
+          <a:bodyPr/>
+          <a:lstStyle/>
+          <a:p>
+            <a:pPr marL="0" indent="0">
+              <a:buNone/>
+            </a:pPr>
+            <a:r>
+              <a:rPr lang="pt-PT" sz="3200" b="1" dirty="0" err="1"/>
+              <a:t>Darty</a:t>
+            </a:r>
+            <a:r>
+              <a:rPr lang="pt-PT" sz="3200" b="1" dirty="0"/>
+              <a:t> </a:t>
+            </a:r>
+            <a:r>
+              <a:rPr lang="pt-PT" sz="3200" b="1" dirty="0" err="1"/>
+              <a:t>wants</a:t>
+            </a:r>
+            <a:r>
+              <a:rPr lang="pt-PT" sz="3200" b="1" dirty="0"/>
+              <a:t> </a:t>
+            </a:r>
+            <a:r>
+              <a:rPr lang="pt-PT" sz="3200" b="1" dirty="0" err="1"/>
+              <a:t>an</a:t>
+            </a:r>
+            <a:r>
+              <a:rPr lang="pt-PT" sz="3200" b="1" dirty="0"/>
+              <a:t> </a:t>
+            </a:r>
+            <a:r>
+              <a:rPr lang="pt-PT" sz="3200" b="1" dirty="0" err="1"/>
+              <a:t>analysis</a:t>
+            </a:r>
+            <a:r>
+              <a:rPr lang="pt-PT" sz="3200" b="1" dirty="0"/>
+              <a:t> </a:t>
+            </a:r>
+            <a:r>
+              <a:rPr lang="pt-PT" sz="3200" b="1" dirty="0" err="1"/>
+              <a:t>on</a:t>
+            </a:r>
+            <a:r>
+              <a:rPr lang="pt-PT" sz="3200" b="1" dirty="0"/>
+              <a:t> </a:t>
+            </a:r>
+            <a:r>
+              <a:rPr lang="pt-PT" sz="3200" b="1" dirty="0" err="1"/>
+              <a:t>the</a:t>
+            </a:r>
+            <a:r>
+              <a:rPr lang="pt-PT" sz="3200" b="1" dirty="0"/>
+              <a:t> </a:t>
+            </a:r>
+            <a:r>
+              <a:rPr lang="pt-PT" sz="3200" b="1" dirty="0" err="1"/>
+              <a:t>following</a:t>
+            </a:r>
+            <a:r>
+              <a:rPr lang="pt-PT" sz="3200" b="1" dirty="0"/>
+              <a:t> </a:t>
+            </a:r>
+            <a:r>
+              <a:rPr lang="pt-PT" sz="3200" b="1" dirty="0" err="1"/>
+              <a:t>points</a:t>
+            </a:r>
+            <a:r>
+              <a:rPr lang="pt-PT" sz="3200" b="1" dirty="0"/>
+              <a:t>:</a:t>
+            </a:r>
+          </a:p>
+          <a:p>
+            <a:endParaRPr lang="pt-PT" dirty="0"/>
+          </a:p>
+          <a:p>
+            <a:pPr marL="971550" lvl="1" indent="-514350">
+              <a:buFont typeface="+mj-lt"/>
+              <a:buAutoNum type="arabicPeriod"/>
+            </a:pPr>
+            <a:r>
+              <a:rPr lang="pt-PT" sz="3200" dirty="0" err="1"/>
+              <a:t>The</a:t>
+            </a:r>
+            <a:r>
+              <a:rPr lang="pt-PT" sz="3200" dirty="0"/>
+              <a:t> </a:t>
+            </a:r>
+            <a:r>
+              <a:rPr lang="pt-PT" sz="3200" dirty="0" err="1"/>
+              <a:t>best</a:t>
+            </a:r>
+            <a:r>
+              <a:rPr lang="pt-PT" sz="3200" dirty="0"/>
+              <a:t> </a:t>
+            </a:r>
+            <a:r>
+              <a:rPr lang="pt-PT" sz="3200" dirty="0" err="1"/>
+              <a:t>rated</a:t>
+            </a:r>
+            <a:r>
+              <a:rPr lang="pt-PT" sz="3200" dirty="0"/>
+              <a:t> </a:t>
+            </a:r>
+            <a:r>
+              <a:rPr lang="pt-PT" sz="3200" dirty="0" err="1"/>
+              <a:t>washing</a:t>
+            </a:r>
+            <a:r>
+              <a:rPr lang="pt-PT" sz="3200" dirty="0"/>
+              <a:t> </a:t>
+            </a:r>
+            <a:r>
+              <a:rPr lang="pt-PT" sz="3200" dirty="0" err="1"/>
+              <a:t>machines</a:t>
+            </a:r>
+            <a:r>
+              <a:rPr lang="pt-PT" sz="3200" dirty="0"/>
+              <a:t>;</a:t>
+            </a:r>
+          </a:p>
+          <a:p>
+            <a:pPr marL="971550" lvl="1" indent="-514350">
+              <a:buFont typeface="+mj-lt"/>
+              <a:buAutoNum type="arabicPeriod"/>
+            </a:pPr>
+            <a:r>
+              <a:rPr lang="pt-PT" sz="3200" dirty="0" err="1"/>
+              <a:t>The</a:t>
+            </a:r>
+            <a:r>
+              <a:rPr lang="pt-PT" sz="3200" dirty="0"/>
+              <a:t> </a:t>
+            </a:r>
+            <a:r>
+              <a:rPr lang="pt-PT" sz="3200" dirty="0" err="1"/>
+              <a:t>brands</a:t>
+            </a:r>
+            <a:r>
+              <a:rPr lang="pt-PT" sz="3200" dirty="0"/>
+              <a:t> </a:t>
+            </a:r>
+            <a:r>
+              <a:rPr lang="pt-PT" sz="3200" dirty="0" err="1"/>
+              <a:t>with</a:t>
+            </a:r>
+            <a:r>
+              <a:rPr lang="pt-PT" sz="3200" dirty="0"/>
+              <a:t> </a:t>
+            </a:r>
+            <a:r>
+              <a:rPr lang="pt-PT" sz="3200" dirty="0" err="1"/>
+              <a:t>most</a:t>
+            </a:r>
+            <a:r>
+              <a:rPr lang="pt-PT" sz="3200" dirty="0"/>
+              <a:t> </a:t>
+            </a:r>
+            <a:r>
+              <a:rPr lang="pt-PT" sz="3200" dirty="0" err="1"/>
+              <a:t>washing</a:t>
+            </a:r>
+            <a:r>
+              <a:rPr lang="pt-PT" sz="3200" dirty="0"/>
+              <a:t> </a:t>
+            </a:r>
+            <a:r>
+              <a:rPr lang="pt-PT" sz="3200" dirty="0" err="1"/>
+              <a:t>machines</a:t>
+            </a:r>
+            <a:r>
+              <a:rPr lang="pt-PT" sz="3200" dirty="0"/>
+              <a:t> out </a:t>
+            </a:r>
+            <a:r>
+              <a:rPr lang="pt-PT" sz="3200" dirty="0" err="1"/>
+              <a:t>of</a:t>
+            </a:r>
+            <a:r>
+              <a:rPr lang="pt-PT" sz="3200" dirty="0"/>
+              <a:t> stock</a:t>
+            </a:r>
+          </a:p>
+          <a:p>
+            <a:pPr marL="971550" lvl="1" indent="-514350">
+              <a:buFont typeface="+mj-lt"/>
+              <a:buAutoNum type="arabicPeriod"/>
+            </a:pPr>
+            <a:r>
+              <a:rPr lang="pt-PT" sz="3200" dirty="0" err="1"/>
+              <a:t>The</a:t>
+            </a:r>
+            <a:r>
+              <a:rPr lang="pt-PT" sz="3200" dirty="0"/>
+              <a:t> </a:t>
+            </a:r>
+            <a:r>
+              <a:rPr lang="pt-PT" sz="3200" dirty="0" err="1"/>
+              <a:t>price</a:t>
+            </a:r>
+            <a:r>
+              <a:rPr lang="pt-PT" sz="3200" dirty="0"/>
+              <a:t> range </a:t>
+            </a:r>
+            <a:r>
+              <a:rPr lang="pt-PT" sz="3200" dirty="0" err="1"/>
+              <a:t>of</a:t>
+            </a:r>
+            <a:r>
+              <a:rPr lang="pt-PT" sz="3200" dirty="0"/>
+              <a:t> </a:t>
+            </a:r>
+            <a:r>
+              <a:rPr lang="pt-PT" sz="3200" dirty="0" err="1"/>
+              <a:t>their</a:t>
+            </a:r>
+            <a:r>
+              <a:rPr lang="pt-PT" sz="3200" dirty="0"/>
+              <a:t> </a:t>
+            </a:r>
+            <a:r>
+              <a:rPr lang="pt-PT" sz="3200" dirty="0" err="1"/>
+              <a:t>catalog</a:t>
+            </a:r>
+            <a:r>
+              <a:rPr lang="pt-PT" sz="3200" dirty="0"/>
+              <a:t>;</a:t>
+            </a:r>
+          </a:p>
+          <a:p>
+            <a:pPr marL="971550" lvl="1" indent="-514350">
+              <a:buFont typeface="+mj-lt"/>
+              <a:buAutoNum type="arabicPeriod"/>
+            </a:pPr>
+            <a:r>
+              <a:rPr lang="en-GB" sz="3200" dirty="0"/>
+              <a:t>The brands with the highest and lowest number of washing machines on sale.</a:t>
+            </a:r>
+          </a:p>
+        </p:txBody>
+      </p:sp>
+    </p:spTree>
+    <p:extLst>
+      <p:ext uri="{BB962C8B-B14F-4D97-AF65-F5344CB8AC3E}">
+        <p14:creationId xmlns:p14="http://schemas.microsoft.com/office/powerpoint/2010/main" val="3133244229"/>
+      </p:ext>
+    </p:extLst>
+  </p:cSld>
+  <p:clrMapOvr>
+    <a:masterClrMapping/>
+  </p:clrMapOvr>
+  <p:timing>
+    <p:tnLst>
+      <p:par>
+        <p:cTn id="1" dur="indefinite" restart="never" nodeType="tmRoot">
+          <p:childTnLst>
+            <p:seq concurrent="1" nextAc="seek">
+              <p:cTn id="2" dur="indefinite" nodeType="mainSeq">
+                <p:childTnLst>
+                  <p:par>
+                    <p:cTn id="3" fill="hold">
+                      <p:stCondLst>
+                        <p:cond delay="indefinite"/>
+                      </p:stCondLst>
+                      <p:childTnLst>
+                        <p:par>
+                          <p:cTn id="4" fill="hold">
+                            <p:stCondLst>
+                              <p:cond delay="0"/>
+                            </p:stCondLst>
+                            <p:childTnLst>
+                              <p:par>
+                                <p:cTn id="5" presetID="1" presetClass="entr" presetSubtype="0" fill="hold" nodeType="clickEffect">
+                                  <p:stCondLst>
+                                    <p:cond delay="0"/>
+                                  </p:stCondLst>
+                                  <p:childTnLst>
+                                    <p:set>
+                                      <p:cBhvr>
+                                        <p:cTn id="6" dur="1" fill="hold">
+                                          <p:stCondLst>
+                                            <p:cond delay="0"/>
+                                          </p:stCondLst>
+                                        </p:cTn>
+                                        <p:tgtEl>
+                                          <p:spTgt spid="3">
+                                            <p:txEl>
+                                              <p:pRg st="2" end="2"/>
+                                            </p:txEl>
+                                          </p:spTgt>
+                                        </p:tgtEl>
+                                        <p:attrNameLst>
+                                          <p:attrName>style.visibility</p:attrName>
+                                        </p:attrNameLst>
+                                      </p:cBhvr>
+                                      <p:to>
+                                        <p:strVal val="visible"/>
+                                      </p:to>
+                                    </p:set>
+                                  </p:childTnLst>
+                                </p:cTn>
+                              </p:par>
+                            </p:childTnLst>
+                          </p:cTn>
+                        </p:par>
+                      </p:childTnLst>
+                    </p:cTn>
+                  </p:par>
+                  <p:par>
+                    <p:cTn id="7" fill="hold">
+                      <p:stCondLst>
+                        <p:cond delay="indefinite"/>
+                      </p:stCondLst>
+                      <p:childTnLst>
+                        <p:par>
+                          <p:cTn id="8" fill="hold">
+                            <p:stCondLst>
+                              <p:cond delay="0"/>
+                            </p:stCondLst>
+                            <p:childTnLst>
+                              <p:par>
+                                <p:cTn id="9" presetID="1" presetClass="entr" presetSubtype="0" fill="hold" nodeType="clickEffect">
+                                  <p:stCondLst>
+                                    <p:cond delay="0"/>
+                                  </p:stCondLst>
+                                  <p:childTnLst>
+                                    <p:set>
+                                      <p:cBhvr>
+                                        <p:cTn id="10" dur="1" fill="hold">
+                                          <p:stCondLst>
+                                            <p:cond delay="0"/>
+                                          </p:stCondLst>
+                                        </p:cTn>
+                                        <p:tgtEl>
+                                          <p:spTgt spid="3">
+                                            <p:txEl>
+                                              <p:pRg st="3" end="3"/>
+                                            </p:txEl>
+                                          </p:spTgt>
+                                        </p:tgtEl>
+                                        <p:attrNameLst>
+                                          <p:attrName>style.visibility</p:attrName>
+                                        </p:attrNameLst>
+                                      </p:cBhvr>
+                                      <p:to>
+                                        <p:strVal val="visible"/>
+                                      </p:to>
+                                    </p:set>
+                                  </p:childTnLst>
+                                </p:cTn>
+                              </p:par>
+                            </p:childTnLst>
+                          </p:cTn>
+                        </p:par>
+                      </p:childTnLst>
+                    </p:cTn>
+                  </p:par>
+                  <p:par>
+                    <p:cTn id="11" fill="hold">
+                      <p:stCondLst>
+                        <p:cond delay="indefinite"/>
+                      </p:stCondLst>
+                      <p:childTnLst>
+                        <p:par>
+                          <p:cTn id="12" fill="hold">
+                            <p:stCondLst>
+                              <p:cond delay="0"/>
+                            </p:stCondLst>
+                            <p:childTnLst>
+                              <p:par>
+                                <p:cTn id="13" presetID="1" presetClass="entr" presetSubtype="0" fill="hold" nodeType="clickEffect">
+                                  <p:stCondLst>
+                                    <p:cond delay="0"/>
+                                  </p:stCondLst>
+                                  <p:childTnLst>
+                                    <p:set>
+                                      <p:cBhvr>
+                                        <p:cTn id="14" dur="1" fill="hold">
+                                          <p:stCondLst>
+                                            <p:cond delay="0"/>
+                                          </p:stCondLst>
+                                        </p:cTn>
+                                        <p:tgtEl>
+                                          <p:spTgt spid="3">
+                                            <p:txEl>
+                                              <p:pRg st="4" end="4"/>
+                                            </p:txEl>
+                                          </p:spTgt>
+                                        </p:tgtEl>
+                                        <p:attrNameLst>
+                                          <p:attrName>style.visibility</p:attrName>
+                                        </p:attrNameLst>
+                                      </p:cBhvr>
+                                      <p:to>
+                                        <p:strVal val="visible"/>
+                                      </p:to>
+                                    </p:set>
+                                  </p:childTnLst>
+                                </p:cTn>
+                              </p:par>
+                            </p:childTnLst>
+                          </p:cTn>
+                        </p:par>
+                      </p:childTnLst>
+                    </p:cTn>
+                  </p:par>
+                  <p:par>
+                    <p:cTn id="15" fill="hold">
+                      <p:stCondLst>
+                        <p:cond delay="indefinite"/>
+                      </p:stCondLst>
+                      <p:childTnLst>
+                        <p:par>
+                          <p:cTn id="16" fill="hold">
+                            <p:stCondLst>
+                              <p:cond delay="0"/>
+                            </p:stCondLst>
+                            <p:childTnLst>
+                              <p:par>
+                                <p:cTn id="17" presetID="1" presetClass="entr" presetSubtype="0" fill="hold" nodeType="clickEffect">
+                                  <p:stCondLst>
+                                    <p:cond delay="0"/>
+                                  </p:stCondLst>
+                                  <p:childTnLst>
+                                    <p:set>
+                                      <p:cBhvr>
+                                        <p:cTn id="18" dur="1" fill="hold">
+                                          <p:stCondLst>
+                                            <p:cond delay="0"/>
+                                          </p:stCondLst>
+                                        </p:cTn>
+                                        <p:tgtEl>
+                                          <p:spTgt spid="3">
+                                            <p:txEl>
+                                              <p:pRg st="5" end="5"/>
+                                            </p:txEl>
+                                          </p:spTgt>
+                                        </p:tgtEl>
+                                        <p:attrNameLst>
+                                          <p:attrName>style.visibility</p:attrName>
+                                        </p:attrNameLst>
+                                      </p:cBhvr>
+                                      <p:to>
+                                        <p:strVal val="visible"/>
+                                      </p:to>
+                                    </p:set>
+                                  </p:childTnLst>
+                                </p:cTn>
+                              </p:par>
+                            </p:childTnLst>
+                          </p:cTn>
+                        </p:par>
+                      </p:childTnLst>
+                    </p:cTn>
+                  </p:par>
+                </p:childTnLst>
+              </p:cTn>
+              <p:prevCondLst>
+                <p:cond evt="onPrev" delay="0">
+                  <p:tgtEl>
+                    <p:sldTgt/>
+                  </p:tgtEl>
+                </p:cond>
+              </p:prevCondLst>
+              <p:nextCondLst>
+                <p:cond evt="onNext" delay="0">
+                  <p:tgtEl>
+                    <p:sldTgt/>
+                  </p:tgtEl>
+                </p:cond>
+              </p:nextCondLst>
+            </p:seq>
+          </p:childTnLst>
+        </p:cTn>
+      </p:par>
+    </p:tnLst>
+  </p:timing>
+</p:sld>
+</file>
+
+<file path=ppt/slides/slide5.xml><?xml version="1.0" encoding="utf-8"?>
+<p:sld xmlns:a="http://schemas.openxmlformats.org/drawingml/2006/main" xmlns:r="http://schemas.openxmlformats.org/officeDocument/2006/relationships" xmlns:p="http://schemas.openxmlformats.org/presentationml/2006/main">
+  <p:cSld>
+    <p:spTree>
+      <p:nvGrpSpPr>
+        <p:cNvPr id="1" name=""/>
+        <p:cNvGrpSpPr/>
+        <p:nvPr/>
+      </p:nvGrpSpPr>
+      <p:grpSpPr>
+        <a:xfrm>
+          <a:off x="0" y="0"/>
+          <a:ext cx="0" cy="0"/>
+          <a:chOff x="0" y="0"/>
+          <a:chExt cx="0" cy="0"/>
+        </a:xfrm>
+      </p:grpSpPr>
+      <p:pic>
+        <p:nvPicPr>
+          <p:cNvPr id="5" name="Content Placeholder 4">
+            <a:extLst>
+              <a:ext uri="{FF2B5EF4-FFF2-40B4-BE49-F238E27FC236}">
+                <a16:creationId xmlns:a16="http://schemas.microsoft.com/office/drawing/2014/main" id="{C865A9C7-53AF-4972-AEEB-76CD2557CF15}"/>
+              </a:ext>
+            </a:extLst>
+          </p:cNvPr>
+          <p:cNvPicPr>
+            <a:picLocks noGrp="1" noChangeAspect="1"/>
+          </p:cNvPicPr>
+          <p:nvPr>
+            <p:ph idx="1"/>
+          </p:nvPr>
+        </p:nvPicPr>
+        <p:blipFill>
+          <a:blip r:embed="rId2"/>
+          <a:stretch>
+            <a:fillRect/>
+          </a:stretch>
+        </p:blipFill>
+        <p:spPr>
+          <a:xfrm>
+            <a:off x="58053" y="2374084"/>
+            <a:ext cx="11958128" cy="3355597"/>
+          </a:xfrm>
+          <a:prstGeom prst="rect">
+            <a:avLst/>
+          </a:prstGeom>
+        </p:spPr>
+      </p:pic>
+      <p:sp>
+        <p:nvSpPr>
+          <p:cNvPr id="4" name="Title 1">
+            <a:extLst>
+              <a:ext uri="{FF2B5EF4-FFF2-40B4-BE49-F238E27FC236}">
+                <a16:creationId xmlns:a16="http://schemas.microsoft.com/office/drawing/2014/main" id="{2A3AC2CB-AFEA-466E-B187-B2BA9339E969}"/>
+              </a:ext>
+            </a:extLst>
+          </p:cNvPr>
+          <p:cNvSpPr>
+            <a:spLocks noGrp="1"/>
+          </p:cNvSpPr>
+          <p:nvPr>
+            <p:ph type="title"/>
+          </p:nvPr>
+        </p:nvSpPr>
+        <p:spPr>
+          <a:xfrm>
+            <a:off x="838200" y="365125"/>
+            <a:ext cx="10515600" cy="1325563"/>
+          </a:xfrm>
+          <a:solidFill>
+            <a:schemeClr val="accent2"/>
+          </a:solidFill>
+        </p:spPr>
+        <p:txBody>
+          <a:bodyPr/>
+          <a:lstStyle/>
+          <a:p>
+            <a:r>
+              <a:rPr lang="pt-PT" b="1" dirty="0">
+                <a:solidFill>
+                  <a:schemeClr val="bg1"/>
+                </a:solidFill>
+                <a:effectLst>
+                  <a:outerShdw blurRad="38100" dist="38100" dir="2700000" algn="tl">
+                    <a:srgbClr val="000000">
+                      <a:alpha val="43137"/>
+                    </a:srgbClr>
+                  </a:outerShdw>
+                </a:effectLst>
+              </a:rPr>
+              <a:t>Output</a:t>
+            </a:r>
+            <a:endParaRPr lang="en-GB" b="1" dirty="0">
+              <a:solidFill>
+                <a:schemeClr val="bg1"/>
+              </a:solidFill>
+              <a:effectLst>
+                <a:outerShdw blurRad="38100" dist="38100" dir="2700000" algn="tl">
+                  <a:srgbClr val="000000">
+                    <a:alpha val="43137"/>
+                  </a:srgbClr>
+                </a:outerShdw>
+              </a:effectLst>
+            </a:endParaRPr>
+          </a:p>
+        </p:txBody>
+      </p:sp>
+    </p:spTree>
+    <p:extLst>
+      <p:ext uri="{BB962C8B-B14F-4D97-AF65-F5344CB8AC3E}">
+        <p14:creationId xmlns:p14="http://schemas.microsoft.com/office/powerpoint/2010/main" val="572966875"/>
+      </p:ext>
+    </p:extLst>
+  </p:cSld>
+  <p:clrMapOvr>
+    <a:masterClrMapping/>
+  </p:clrMapOvr>
+</p:sld>
+</file>
+
+<file path=ppt/slides/slide6.xml><?xml version="1.0" encoding="utf-8"?>
+<p:sld xmlns:a="http://schemas.openxmlformats.org/drawingml/2006/main" xmlns:r="http://schemas.openxmlformats.org/officeDocument/2006/relationships" xmlns:p="http://schemas.openxmlformats.org/presentationml/2006/main">
+  <p:cSld>
+    <p:spTree>
+      <p:nvGrpSpPr>
+        <p:cNvPr id="1" name=""/>
+        <p:cNvGrpSpPr/>
+        <p:nvPr/>
+      </p:nvGrpSpPr>
+      <p:grpSpPr>
+        <a:xfrm>
+          <a:off x="0" y="0"/>
+          <a:ext cx="0" cy="0"/>
+          <a:chOff x="0" y="0"/>
+          <a:chExt cx="0" cy="0"/>
+        </a:xfrm>
+      </p:grpSpPr>
+      <p:sp>
+        <p:nvSpPr>
+          <p:cNvPr id="3" name="Content Placeholder 2">
+            <a:extLst>
+              <a:ext uri="{FF2B5EF4-FFF2-40B4-BE49-F238E27FC236}">
+                <a16:creationId xmlns:a16="http://schemas.microsoft.com/office/drawing/2014/main" id="{1079954E-45B5-4651-83E1-483711026003}"/>
+              </a:ext>
+            </a:extLst>
+          </p:cNvPr>
+          <p:cNvSpPr>
+            <a:spLocks noGrp="1"/>
+          </p:cNvSpPr>
+          <p:nvPr>
+            <p:ph idx="1"/>
+          </p:nvPr>
+        </p:nvSpPr>
+        <p:spPr/>
+        <p:txBody>
+          <a:bodyPr/>
+          <a:lstStyle/>
+          <a:p>
+            <a:r>
+              <a:rPr lang="pt-PT" dirty="0" err="1"/>
+              <a:t>Separate</a:t>
+            </a:r>
+            <a:r>
+              <a:rPr lang="pt-PT" dirty="0"/>
+              <a:t> </a:t>
+            </a:r>
+            <a:r>
+              <a:rPr lang="pt-PT" dirty="0" err="1"/>
+              <a:t>the</a:t>
+            </a:r>
+            <a:r>
+              <a:rPr lang="pt-PT" dirty="0"/>
+              <a:t> ratings </a:t>
+            </a:r>
+            <a:r>
+              <a:rPr lang="pt-PT" dirty="0" err="1"/>
+              <a:t>from</a:t>
+            </a:r>
+            <a:r>
+              <a:rPr lang="pt-PT" dirty="0"/>
+              <a:t> </a:t>
+            </a:r>
+            <a:r>
+              <a:rPr lang="pt-PT" dirty="0" err="1"/>
+              <a:t>the</a:t>
+            </a:r>
+            <a:r>
+              <a:rPr lang="pt-PT" dirty="0"/>
+              <a:t> </a:t>
+            </a:r>
+            <a:r>
+              <a:rPr lang="pt-PT" dirty="0" err="1"/>
+              <a:t>number</a:t>
+            </a:r>
+            <a:r>
+              <a:rPr lang="pt-PT" dirty="0"/>
+              <a:t> </a:t>
+            </a:r>
+            <a:r>
+              <a:rPr lang="pt-PT" dirty="0" err="1"/>
+              <a:t>of</a:t>
+            </a:r>
+            <a:r>
+              <a:rPr lang="pt-PT" dirty="0"/>
+              <a:t> </a:t>
+            </a:r>
+            <a:r>
+              <a:rPr lang="pt-PT" dirty="0" err="1"/>
+              <a:t>Reviews</a:t>
+            </a:r>
+            <a:endParaRPr lang="en-GB" dirty="0"/>
+          </a:p>
+        </p:txBody>
+      </p:sp>
+      <p:sp>
+        <p:nvSpPr>
+          <p:cNvPr id="4" name="Title 1">
+            <a:extLst>
+              <a:ext uri="{FF2B5EF4-FFF2-40B4-BE49-F238E27FC236}">
+                <a16:creationId xmlns:a16="http://schemas.microsoft.com/office/drawing/2014/main" id="{84568331-0E1E-40B6-8A22-D007A2CC0CBF}"/>
+              </a:ext>
+            </a:extLst>
+          </p:cNvPr>
+          <p:cNvSpPr>
+            <a:spLocks noGrp="1"/>
+          </p:cNvSpPr>
+          <p:nvPr>
+            <p:ph type="title"/>
+          </p:nvPr>
+        </p:nvSpPr>
+        <p:spPr>
+          <a:xfrm>
+            <a:off x="838200" y="365125"/>
+            <a:ext cx="10515600" cy="1325563"/>
+          </a:xfrm>
+          <a:solidFill>
+            <a:schemeClr val="accent2"/>
+          </a:solidFill>
+        </p:spPr>
+        <p:txBody>
+          <a:bodyPr/>
+          <a:lstStyle/>
+          <a:p>
+            <a:r>
+              <a:rPr lang="pt-PT" b="1" dirty="0">
+                <a:solidFill>
+                  <a:schemeClr val="bg1"/>
+                </a:solidFill>
+                <a:effectLst>
+                  <a:outerShdw blurRad="38100" dist="38100" dir="2700000" algn="tl">
+                    <a:srgbClr val="000000">
+                      <a:alpha val="43137"/>
+                    </a:srgbClr>
+                  </a:outerShdw>
+                </a:effectLst>
+              </a:rPr>
+              <a:t>Data </a:t>
+            </a:r>
+            <a:r>
+              <a:rPr lang="pt-PT" b="1" dirty="0" err="1">
+                <a:solidFill>
+                  <a:schemeClr val="bg1"/>
+                </a:solidFill>
+                <a:effectLst>
+                  <a:outerShdw blurRad="38100" dist="38100" dir="2700000" algn="tl">
+                    <a:srgbClr val="000000">
+                      <a:alpha val="43137"/>
+                    </a:srgbClr>
+                  </a:outerShdw>
+                </a:effectLst>
+              </a:rPr>
+              <a:t>Cleaning</a:t>
+            </a:r>
+            <a:r>
+              <a:rPr lang="pt-PT" b="1" dirty="0">
+                <a:solidFill>
+                  <a:schemeClr val="bg1"/>
+                </a:solidFill>
+                <a:effectLst>
+                  <a:outerShdw blurRad="38100" dist="38100" dir="2700000" algn="tl">
+                    <a:srgbClr val="000000">
+                      <a:alpha val="43137"/>
+                    </a:srgbClr>
+                  </a:outerShdw>
+                </a:effectLst>
+              </a:rPr>
+              <a:t> Steps</a:t>
+            </a:r>
+            <a:endParaRPr lang="en-GB" b="1" dirty="0">
+              <a:solidFill>
+                <a:schemeClr val="bg1"/>
+              </a:solidFill>
+              <a:effectLst>
+                <a:outerShdw blurRad="38100" dist="38100" dir="2700000" algn="tl">
+                  <a:srgbClr val="000000">
+                    <a:alpha val="43137"/>
+                  </a:srgbClr>
+                </a:outerShdw>
+              </a:effectLst>
+            </a:endParaRPr>
+          </a:p>
+        </p:txBody>
+      </p:sp>
+      <p:pic>
+        <p:nvPicPr>
+          <p:cNvPr id="5" name="Picture 4">
+            <a:extLst>
+              <a:ext uri="{FF2B5EF4-FFF2-40B4-BE49-F238E27FC236}">
+                <a16:creationId xmlns:a16="http://schemas.microsoft.com/office/drawing/2014/main" id="{894C8EEC-E66A-4461-AC5F-F10FAAF210E6}"/>
+              </a:ext>
+            </a:extLst>
+          </p:cNvPr>
+          <p:cNvPicPr>
+            <a:picLocks noChangeAspect="1"/>
+          </p:cNvPicPr>
+          <p:nvPr/>
+        </p:nvPicPr>
+        <p:blipFill>
+          <a:blip r:embed="rId2"/>
+          <a:stretch>
+            <a:fillRect/>
+          </a:stretch>
+        </p:blipFill>
+        <p:spPr>
+          <a:xfrm>
+            <a:off x="1109224" y="2500897"/>
+            <a:ext cx="1139453" cy="3700286"/>
+          </a:xfrm>
+          <a:prstGeom prst="rect">
+            <a:avLst/>
+          </a:prstGeom>
+        </p:spPr>
+      </p:pic>
+      <p:pic>
+        <p:nvPicPr>
+          <p:cNvPr id="6" name="Picture 5">
+            <a:extLst>
+              <a:ext uri="{FF2B5EF4-FFF2-40B4-BE49-F238E27FC236}">
+                <a16:creationId xmlns:a16="http://schemas.microsoft.com/office/drawing/2014/main" id="{449593F9-1718-4DF2-B636-1731F97E7419}"/>
+              </a:ext>
+            </a:extLst>
+          </p:cNvPr>
+          <p:cNvPicPr>
+            <a:picLocks noChangeAspect="1"/>
+          </p:cNvPicPr>
+          <p:nvPr/>
+        </p:nvPicPr>
+        <p:blipFill>
+          <a:blip r:embed="rId3"/>
+          <a:stretch>
+            <a:fillRect/>
+          </a:stretch>
+        </p:blipFill>
+        <p:spPr>
+          <a:xfrm>
+            <a:off x="2519701" y="2500897"/>
+            <a:ext cx="8842391" cy="2107574"/>
+          </a:xfrm>
+          <a:prstGeom prst="rect">
+            <a:avLst/>
+          </a:prstGeom>
+        </p:spPr>
+      </p:pic>
+    </p:spTree>
+    <p:extLst>
+      <p:ext uri="{BB962C8B-B14F-4D97-AF65-F5344CB8AC3E}">
+        <p14:creationId xmlns:p14="http://schemas.microsoft.com/office/powerpoint/2010/main" val="3700661474"/>
+      </p:ext>
+    </p:extLst>
+  </p:cSld>
+  <p:clrMapOvr>
+    <a:masterClrMapping/>
+  </p:clrMapOvr>
+  <p:timing>
+    <p:tnLst>
+      <p:par>
+        <p:cTn id="1" dur="indefinite" restart="never" nodeType="tmRoot">
+          <p:childTnLst>
+            <p:seq concurrent="1" nextAc="seek">
+              <p:cTn id="2" dur="indefinite" nodeType="mainSeq">
+                <p:childTnLst>
+                  <p:par>
+                    <p:cTn id="3" fill="hold">
+                      <p:stCondLst>
+                        <p:cond delay="indefinite"/>
+                      </p:stCondLst>
+                      <p:childTnLst>
+                        <p:par>
+                          <p:cTn id="4" fill="hold">
+                            <p:stCondLst>
+                              <p:cond delay="0"/>
+                            </p:stCondLst>
+                            <p:childTnLst>
+                              <p:par>
+                                <p:cTn id="5" presetID="1" presetClass="entr" presetSubtype="0" fill="hold" nodeType="clickEffect">
+                                  <p:stCondLst>
+                                    <p:cond delay="0"/>
+                                  </p:stCondLst>
+                                  <p:childTnLst>
+                                    <p:set>
+                                      <p:cBhvr>
+                                        <p:cTn id="6" dur="1" fill="hold">
+                                          <p:stCondLst>
+                                            <p:cond delay="0"/>
+                                          </p:stCondLst>
+                                        </p:cTn>
+                                        <p:tgtEl>
+                                          <p:spTgt spid="5"/>
+                                        </p:tgtEl>
+                                        <p:attrNameLst>
+                                          <p:attrName>style.visibility</p:attrName>
+                                        </p:attrNameLst>
+                                      </p:cBhvr>
+                                      <p:to>
+                                        <p:strVal val="visible"/>
+                                      </p:to>
+                                    </p:set>
+                                  </p:childTnLst>
+                                </p:cTn>
+                              </p:par>
+                            </p:childTnLst>
+                          </p:cTn>
+                        </p:par>
+                      </p:childTnLst>
+                    </p:cTn>
+                  </p:par>
+                  <p:par>
+                    <p:cTn id="7" fill="hold">
+                      <p:stCondLst>
+                        <p:cond delay="indefinite"/>
+                      </p:stCondLst>
+                      <p:childTnLst>
+                        <p:par>
+                          <p:cTn id="8" fill="hold">
+                            <p:stCondLst>
+                              <p:cond delay="0"/>
+                            </p:stCondLst>
+                            <p:childTnLst>
+                              <p:par>
+                                <p:cTn id="9" presetID="1" presetClass="entr" presetSubtype="0" fill="hold" nodeType="clickEffect">
+                                  <p:stCondLst>
+                                    <p:cond delay="0"/>
+                                  </p:stCondLst>
+                                  <p:childTnLst>
+                                    <p:set>
+                                      <p:cBhvr>
+                                        <p:cTn id="10" dur="1" fill="hold">
+                                          <p:stCondLst>
+                                            <p:cond delay="0"/>
+                                          </p:stCondLst>
+                                        </p:cTn>
+                                        <p:tgtEl>
+                                          <p:spTgt spid="6"/>
+                                        </p:tgtEl>
+                                        <p:attrNameLst>
+                                          <p:attrName>style.visibility</p:attrName>
+                                        </p:attrNameLst>
+                                      </p:cBhvr>
+                                      <p:to>
+                                        <p:strVal val="visible"/>
+                                      </p:to>
+                                    </p:set>
+                                  </p:childTnLst>
+                                </p:cTn>
+                              </p:par>
+                            </p:childTnLst>
+                          </p:cTn>
+                        </p:par>
+                      </p:childTnLst>
+                    </p:cTn>
+                  </p:par>
+                </p:childTnLst>
+              </p:cTn>
+              <p:prevCondLst>
+                <p:cond evt="onPrev" delay="0">
+                  <p:tgtEl>
+                    <p:sldTgt/>
+                  </p:tgtEl>
+                </p:cond>
+              </p:prevCondLst>
+              <p:nextCondLst>
+                <p:cond evt="onNext" delay="0">
+                  <p:tgtEl>
+                    <p:sldTgt/>
+                  </p:tgtEl>
+                </p:cond>
+              </p:nextCondLst>
+            </p:seq>
+          </p:childTnLst>
+        </p:cTn>
+      </p:par>
+    </p:tnLst>
+  </p:timing>
+</p:sld>
+</file>
+
+<file path=ppt/slides/slide7.xml><?xml version="1.0" encoding="utf-8"?>
+<p:sld xmlns:a="http://schemas.openxmlformats.org/drawingml/2006/main" xmlns:r="http://schemas.openxmlformats.org/officeDocument/2006/relationships" xmlns:p="http://schemas.openxmlformats.org/presentationml/2006/main">
+  <p:cSld>
+    <p:spTree>
+      <p:nvGrpSpPr>
+        <p:cNvPr id="1" name=""/>
+        <p:cNvGrpSpPr/>
+        <p:nvPr/>
+      </p:nvGrpSpPr>
+      <p:grpSpPr>
+        <a:xfrm>
+          <a:off x="0" y="0"/>
+          <a:ext cx="0" cy="0"/>
+          <a:chOff x="0" y="0"/>
+          <a:chExt cx="0" cy="0"/>
+        </a:xfrm>
+      </p:grpSpPr>
+      <p:sp>
+        <p:nvSpPr>
+          <p:cNvPr id="3" name="Content Placeholder 2">
+            <a:extLst>
+              <a:ext uri="{FF2B5EF4-FFF2-40B4-BE49-F238E27FC236}">
+                <a16:creationId xmlns:a16="http://schemas.microsoft.com/office/drawing/2014/main" id="{1079954E-45B5-4651-83E1-483711026003}"/>
+              </a:ext>
+            </a:extLst>
+          </p:cNvPr>
+          <p:cNvSpPr>
+            <a:spLocks noGrp="1"/>
+          </p:cNvSpPr>
+          <p:nvPr>
+            <p:ph idx="1"/>
+          </p:nvPr>
+        </p:nvSpPr>
+        <p:spPr/>
+        <p:txBody>
+          <a:bodyPr/>
+          <a:lstStyle/>
+          <a:p>
+            <a:r>
+              <a:rPr lang="pt-PT" dirty="0" err="1"/>
+              <a:t>Separate</a:t>
+            </a:r>
+            <a:r>
+              <a:rPr lang="pt-PT" dirty="0"/>
+              <a:t> </a:t>
+            </a:r>
+            <a:r>
+              <a:rPr lang="pt-PT" dirty="0" err="1"/>
+              <a:t>the</a:t>
+            </a:r>
+            <a:r>
+              <a:rPr lang="pt-PT" dirty="0"/>
+              <a:t> </a:t>
+            </a:r>
+            <a:r>
+              <a:rPr lang="pt-PT" dirty="0" err="1"/>
+              <a:t>category</a:t>
+            </a:r>
+            <a:r>
+              <a:rPr lang="pt-PT" dirty="0"/>
+              <a:t> </a:t>
+            </a:r>
+            <a:r>
+              <a:rPr lang="pt-PT" dirty="0" err="1"/>
+              <a:t>from</a:t>
+            </a:r>
+            <a:r>
+              <a:rPr lang="pt-PT" dirty="0"/>
+              <a:t> </a:t>
+            </a:r>
+            <a:r>
+              <a:rPr lang="pt-PT" dirty="0" err="1"/>
+              <a:t>the</a:t>
+            </a:r>
+            <a:r>
+              <a:rPr lang="pt-PT" dirty="0"/>
+              <a:t> </a:t>
+            </a:r>
+            <a:r>
+              <a:rPr lang="pt-PT" dirty="0" err="1"/>
+              <a:t>brand</a:t>
+            </a:r>
+            <a:r>
+              <a:rPr lang="pt-PT" dirty="0"/>
+              <a:t> </a:t>
+            </a:r>
+            <a:r>
+              <a:rPr lang="pt-PT" dirty="0" err="1"/>
+              <a:t>and</a:t>
+            </a:r>
+            <a:r>
+              <a:rPr lang="pt-PT" dirty="0"/>
+              <a:t> </a:t>
+            </a:r>
+            <a:r>
+              <a:rPr lang="pt-PT" dirty="0" err="1"/>
+              <a:t>the</a:t>
+            </a:r>
+            <a:r>
+              <a:rPr lang="pt-PT" dirty="0"/>
+              <a:t> </a:t>
+            </a:r>
+            <a:r>
+              <a:rPr lang="pt-PT" dirty="0" err="1"/>
+              <a:t>model</a:t>
+            </a:r>
+            <a:endParaRPr lang="en-GB" dirty="0"/>
+          </a:p>
+        </p:txBody>
+      </p:sp>
+      <p:sp>
+        <p:nvSpPr>
+          <p:cNvPr id="4" name="Title 1">
+            <a:extLst>
+              <a:ext uri="{FF2B5EF4-FFF2-40B4-BE49-F238E27FC236}">
+                <a16:creationId xmlns:a16="http://schemas.microsoft.com/office/drawing/2014/main" id="{84568331-0E1E-40B6-8A22-D007A2CC0CBF}"/>
+              </a:ext>
+            </a:extLst>
+          </p:cNvPr>
+          <p:cNvSpPr>
+            <a:spLocks noGrp="1"/>
+          </p:cNvSpPr>
+          <p:nvPr>
+            <p:ph type="title"/>
+          </p:nvPr>
+        </p:nvSpPr>
+        <p:spPr>
+          <a:xfrm>
+            <a:off x="838200" y="365125"/>
+            <a:ext cx="10515600" cy="1325563"/>
+          </a:xfrm>
+          <a:solidFill>
+            <a:schemeClr val="accent2"/>
+          </a:solidFill>
+        </p:spPr>
+        <p:txBody>
+          <a:bodyPr/>
+          <a:lstStyle/>
+          <a:p>
+            <a:r>
+              <a:rPr lang="pt-PT" b="1" dirty="0">
+                <a:solidFill>
+                  <a:schemeClr val="bg1"/>
+                </a:solidFill>
+                <a:effectLst>
+                  <a:outerShdw blurRad="38100" dist="38100" dir="2700000" algn="tl">
+                    <a:srgbClr val="000000">
+                      <a:alpha val="43137"/>
+                    </a:srgbClr>
+                  </a:outerShdw>
+                </a:effectLst>
+              </a:rPr>
+              <a:t>Data </a:t>
+            </a:r>
+            <a:r>
+              <a:rPr lang="pt-PT" b="1" dirty="0" err="1">
+                <a:solidFill>
+                  <a:schemeClr val="bg1"/>
+                </a:solidFill>
+                <a:effectLst>
+                  <a:outerShdw blurRad="38100" dist="38100" dir="2700000" algn="tl">
+                    <a:srgbClr val="000000">
+                      <a:alpha val="43137"/>
+                    </a:srgbClr>
+                  </a:outerShdw>
+                </a:effectLst>
+              </a:rPr>
+              <a:t>Cleaning</a:t>
+            </a:r>
+            <a:r>
+              <a:rPr lang="pt-PT" b="1" dirty="0">
+                <a:solidFill>
+                  <a:schemeClr val="bg1"/>
+                </a:solidFill>
+                <a:effectLst>
+                  <a:outerShdw blurRad="38100" dist="38100" dir="2700000" algn="tl">
+                    <a:srgbClr val="000000">
+                      <a:alpha val="43137"/>
+                    </a:srgbClr>
+                  </a:outerShdw>
+                </a:effectLst>
+              </a:rPr>
+              <a:t> Steps</a:t>
+            </a:r>
+            <a:endParaRPr lang="en-GB" b="1" dirty="0">
+              <a:solidFill>
+                <a:schemeClr val="bg1"/>
+              </a:solidFill>
+              <a:effectLst>
+                <a:outerShdw blurRad="38100" dist="38100" dir="2700000" algn="tl">
+                  <a:srgbClr val="000000">
+                    <a:alpha val="43137"/>
+                  </a:srgbClr>
+                </a:outerShdw>
+              </a:effectLst>
+            </a:endParaRPr>
+          </a:p>
+        </p:txBody>
+      </p:sp>
+      <p:pic>
+        <p:nvPicPr>
+          <p:cNvPr id="2" name="Picture 1">
+            <a:extLst>
+              <a:ext uri="{FF2B5EF4-FFF2-40B4-BE49-F238E27FC236}">
+                <a16:creationId xmlns:a16="http://schemas.microsoft.com/office/drawing/2014/main" id="{CCE04800-C88A-4BC5-A29F-75E0E9694249}"/>
+              </a:ext>
+            </a:extLst>
+          </p:cNvPr>
+          <p:cNvPicPr>
+            <a:picLocks noChangeAspect="1"/>
+          </p:cNvPicPr>
+          <p:nvPr/>
+        </p:nvPicPr>
+        <p:blipFill>
+          <a:blip r:embed="rId2"/>
+          <a:stretch>
+            <a:fillRect/>
+          </a:stretch>
+        </p:blipFill>
+        <p:spPr>
+          <a:xfrm>
+            <a:off x="838200" y="2510423"/>
+            <a:ext cx="3244829" cy="3666540"/>
+          </a:xfrm>
+          <a:prstGeom prst="rect">
+            <a:avLst/>
+          </a:prstGeom>
+        </p:spPr>
+      </p:pic>
+      <p:pic>
+        <p:nvPicPr>
+          <p:cNvPr id="7" name="Picture 6">
+            <a:extLst>
+              <a:ext uri="{FF2B5EF4-FFF2-40B4-BE49-F238E27FC236}">
+                <a16:creationId xmlns:a16="http://schemas.microsoft.com/office/drawing/2014/main" id="{C3400EC8-3599-46C3-91CB-79349DFEB247}"/>
+              </a:ext>
+            </a:extLst>
+          </p:cNvPr>
+          <p:cNvPicPr>
+            <a:picLocks noChangeAspect="1"/>
+          </p:cNvPicPr>
+          <p:nvPr/>
+        </p:nvPicPr>
+        <p:blipFill>
+          <a:blip r:embed="rId3"/>
+          <a:stretch>
+            <a:fillRect/>
+          </a:stretch>
+        </p:blipFill>
+        <p:spPr>
+          <a:xfrm>
+            <a:off x="4437248" y="2510423"/>
+            <a:ext cx="6418928" cy="3666540"/>
+          </a:xfrm>
+          <a:prstGeom prst="rect">
+            <a:avLst/>
+          </a:prstGeom>
+        </p:spPr>
+      </p:pic>
+    </p:spTree>
+    <p:extLst>
+      <p:ext uri="{BB962C8B-B14F-4D97-AF65-F5344CB8AC3E}">
+        <p14:creationId xmlns:p14="http://schemas.microsoft.com/office/powerpoint/2010/main" val="3127569547"/>
+      </p:ext>
+    </p:extLst>
+  </p:cSld>
+  <p:clrMapOvr>
+    <a:masterClrMapping/>
+  </p:clrMapOvr>
+  <p:timing>
+    <p:tnLst>
+      <p:par>
+        <p:cTn id="1" dur="indefinite" restart="never" nodeType="tmRoot">
+          <p:childTnLst>
+            <p:seq concurrent="1" nextAc="seek">
+              <p:cTn id="2" dur="indefinite" nodeType="mainSeq">
+                <p:childTnLst>
+                  <p:par>
+                    <p:cTn id="3" fill="hold">
+                      <p:stCondLst>
+                        <p:cond delay="indefinite"/>
+                      </p:stCondLst>
+                      <p:childTnLst>
+                        <p:par>
+                          <p:cTn id="4" fill="hold">
+                            <p:stCondLst>
+                              <p:cond delay="0"/>
+                            </p:stCondLst>
+                            <p:childTnLst>
+                              <p:par>
+                                <p:cTn id="5" presetID="1" presetClass="entr" presetSubtype="0" fill="hold" nodeType="clickEffect">
+                                  <p:stCondLst>
+                                    <p:cond delay="0"/>
+                                  </p:stCondLst>
+                                  <p:childTnLst>
+                                    <p:set>
+                                      <p:cBhvr>
+                                        <p:cTn id="6" dur="1" fill="hold">
+                                          <p:stCondLst>
+                                            <p:cond delay="0"/>
+                                          </p:stCondLst>
+                                        </p:cTn>
+                                        <p:tgtEl>
+                                          <p:spTgt spid="2"/>
+                                        </p:tgtEl>
+                                        <p:attrNameLst>
+                                          <p:attrName>style.visibility</p:attrName>
+                                        </p:attrNameLst>
+                                      </p:cBhvr>
+                                      <p:to>
+                                        <p:strVal val="visible"/>
+                                      </p:to>
+                                    </p:set>
+                                  </p:childTnLst>
+                                </p:cTn>
+                              </p:par>
+                            </p:childTnLst>
+                          </p:cTn>
+                        </p:par>
+                      </p:childTnLst>
+                    </p:cTn>
+                  </p:par>
+                  <p:par>
+                    <p:cTn id="7" fill="hold">
+                      <p:stCondLst>
+                        <p:cond delay="indefinite"/>
+                      </p:stCondLst>
+                      <p:childTnLst>
+                        <p:par>
+                          <p:cTn id="8" fill="hold">
+                            <p:stCondLst>
+                              <p:cond delay="0"/>
+                            </p:stCondLst>
+                            <p:childTnLst>
+                              <p:par>
+                                <p:cTn id="9" presetID="1" presetClass="entr" presetSubtype="0" fill="hold" nodeType="clickEffect">
+                                  <p:stCondLst>
+                                    <p:cond delay="0"/>
+                                  </p:stCondLst>
+                                  <p:childTnLst>
+                                    <p:set>
+                                      <p:cBhvr>
+                                        <p:cTn id="10" dur="1" fill="hold">
+                                          <p:stCondLst>
+                                            <p:cond delay="0"/>
+                                          </p:stCondLst>
+                                        </p:cTn>
+                                        <p:tgtEl>
+                                          <p:spTgt spid="7"/>
+                                        </p:tgtEl>
+                                        <p:attrNameLst>
+                                          <p:attrName>style.visibility</p:attrName>
+                                        </p:attrNameLst>
+                                      </p:cBhvr>
+                                      <p:to>
+                                        <p:strVal val="visible"/>
+                                      </p:to>
+                                    </p:set>
+                                  </p:childTnLst>
+                                </p:cTn>
+                              </p:par>
+                            </p:childTnLst>
+                          </p:cTn>
+                        </p:par>
+                      </p:childTnLst>
+                    </p:cTn>
+                  </p:par>
+                </p:childTnLst>
+              </p:cTn>
+              <p:prevCondLst>
+                <p:cond evt="onPrev" delay="0">
+                  <p:tgtEl>
+                    <p:sldTgt/>
+                  </p:tgtEl>
+                </p:cond>
+              </p:prevCondLst>
+              <p:nextCondLst>
+                <p:cond evt="onNext" delay="0">
+                  <p:tgtEl>
+                    <p:sldTgt/>
+                  </p:tgtEl>
+                </p:cond>
+              </p:nextCondLst>
+            </p:seq>
+          </p:childTnLst>
+        </p:cTn>
+      </p:par>
+    </p:tnLst>
+  </p:timing>
+</p:sld>
+</file>
+
+<file path=ppt/slides/slide8.xml><?xml version="1.0" encoding="utf-8"?>
+<p:sld xmlns:a="http://schemas.openxmlformats.org/drawingml/2006/main" xmlns:r="http://schemas.openxmlformats.org/officeDocument/2006/relationships" xmlns:p="http://schemas.openxmlformats.org/presentationml/2006/main">
+  <p:cSld>
+    <p:spTree>
+      <p:nvGrpSpPr>
+        <p:cNvPr id="1" name=""/>
+        <p:cNvGrpSpPr/>
+        <p:nvPr/>
+      </p:nvGrpSpPr>
+      <p:grpSpPr>
+        <a:xfrm>
+          <a:off x="0" y="0"/>
+          <a:ext cx="0" cy="0"/>
+          <a:chOff x="0" y="0"/>
+          <a:chExt cx="0" cy="0"/>
+        </a:xfrm>
+      </p:grpSpPr>
+      <p:sp>
+        <p:nvSpPr>
+          <p:cNvPr id="3" name="Content Placeholder 2">
+            <a:extLst>
+              <a:ext uri="{FF2B5EF4-FFF2-40B4-BE49-F238E27FC236}">
+                <a16:creationId xmlns:a16="http://schemas.microsoft.com/office/drawing/2014/main" id="{1079954E-45B5-4651-83E1-483711026003}"/>
+              </a:ext>
+            </a:extLst>
+          </p:cNvPr>
+          <p:cNvSpPr>
+            <a:spLocks noGrp="1"/>
+          </p:cNvSpPr>
+          <p:nvPr>
+            <p:ph idx="1"/>
+          </p:nvPr>
+        </p:nvSpPr>
+        <p:spPr/>
+        <p:txBody>
+          <a:bodyPr/>
+          <a:lstStyle/>
+          <a:p>
+            <a:r>
+              <a:rPr lang="pt-PT" dirty="0" err="1"/>
+              <a:t>Create</a:t>
+            </a:r>
+            <a:r>
+              <a:rPr lang="pt-PT" dirty="0"/>
+              <a:t> </a:t>
+            </a:r>
+            <a:r>
+              <a:rPr lang="pt-PT" dirty="0" err="1"/>
+              <a:t>the</a:t>
+            </a:r>
+            <a:r>
+              <a:rPr lang="pt-PT" dirty="0"/>
+              <a:t> </a:t>
+            </a:r>
+            <a:r>
+              <a:rPr lang="pt-PT" dirty="0" err="1"/>
+              <a:t>Class</a:t>
+            </a:r>
+            <a:r>
+              <a:rPr lang="pt-PT" dirty="0"/>
+              <a:t> </a:t>
+            </a:r>
+            <a:r>
+              <a:rPr lang="pt-PT" dirty="0" err="1"/>
+              <a:t>and</a:t>
+            </a:r>
+            <a:r>
+              <a:rPr lang="pt-PT" dirty="0"/>
+              <a:t> </a:t>
+            </a:r>
+            <a:r>
+              <a:rPr lang="pt-PT" dirty="0" err="1"/>
+              <a:t>Washing</a:t>
+            </a:r>
+            <a:r>
+              <a:rPr lang="pt-PT" dirty="0"/>
+              <a:t> </a:t>
+            </a:r>
+            <a:r>
+              <a:rPr lang="pt-PT" dirty="0" err="1"/>
+              <a:t>Capacity</a:t>
+            </a:r>
+            <a:r>
+              <a:rPr lang="pt-PT" dirty="0"/>
+              <a:t> </a:t>
+            </a:r>
+            <a:r>
+              <a:rPr lang="pt-PT" dirty="0" err="1"/>
+              <a:t>columns</a:t>
+            </a:r>
+            <a:r>
+              <a:rPr lang="pt-PT" dirty="0"/>
+              <a:t>, as </a:t>
+            </a:r>
+            <a:r>
+              <a:rPr lang="pt-PT" dirty="0" err="1"/>
+              <a:t>well</a:t>
+            </a:r>
+            <a:r>
+              <a:rPr lang="pt-PT" dirty="0"/>
+              <a:t> as </a:t>
+            </a:r>
+            <a:r>
+              <a:rPr lang="pt-PT" dirty="0" err="1"/>
+              <a:t>the</a:t>
+            </a:r>
+            <a:r>
+              <a:rPr lang="pt-PT" dirty="0"/>
+              <a:t> </a:t>
+            </a:r>
+            <a:r>
+              <a:rPr lang="pt-PT" dirty="0" err="1"/>
+              <a:t>features</a:t>
+            </a:r>
+            <a:r>
+              <a:rPr lang="pt-PT" dirty="0"/>
+              <a:t> </a:t>
+            </a:r>
+            <a:r>
+              <a:rPr lang="pt-PT" dirty="0" err="1"/>
+              <a:t>columns</a:t>
+            </a:r>
+            <a:endParaRPr lang="en-GB" dirty="0"/>
+          </a:p>
+        </p:txBody>
+      </p:sp>
+      <p:sp>
+        <p:nvSpPr>
+          <p:cNvPr id="4" name="Title 1">
+            <a:extLst>
+              <a:ext uri="{FF2B5EF4-FFF2-40B4-BE49-F238E27FC236}">
+                <a16:creationId xmlns:a16="http://schemas.microsoft.com/office/drawing/2014/main" id="{84568331-0E1E-40B6-8A22-D007A2CC0CBF}"/>
+              </a:ext>
+            </a:extLst>
+          </p:cNvPr>
+          <p:cNvSpPr>
+            <a:spLocks noGrp="1"/>
+          </p:cNvSpPr>
+          <p:nvPr>
+            <p:ph type="title"/>
+          </p:nvPr>
+        </p:nvSpPr>
+        <p:spPr>
+          <a:xfrm>
+            <a:off x="838200" y="365125"/>
+            <a:ext cx="10515600" cy="1325563"/>
+          </a:xfrm>
+          <a:solidFill>
+            <a:schemeClr val="accent2"/>
+          </a:solidFill>
+        </p:spPr>
+        <p:txBody>
+          <a:bodyPr/>
+          <a:lstStyle/>
+          <a:p>
+            <a:r>
+              <a:rPr lang="pt-PT" b="1" dirty="0">
+                <a:solidFill>
+                  <a:schemeClr val="bg1"/>
+                </a:solidFill>
+                <a:effectLst>
+                  <a:outerShdw blurRad="38100" dist="38100" dir="2700000" algn="tl">
+                    <a:srgbClr val="000000">
+                      <a:alpha val="43137"/>
+                    </a:srgbClr>
+                  </a:outerShdw>
+                </a:effectLst>
+              </a:rPr>
+              <a:t>Data </a:t>
+            </a:r>
+            <a:r>
+              <a:rPr lang="pt-PT" b="1" dirty="0" err="1">
+                <a:solidFill>
+                  <a:schemeClr val="bg1"/>
+                </a:solidFill>
+                <a:effectLst>
+                  <a:outerShdw blurRad="38100" dist="38100" dir="2700000" algn="tl">
+                    <a:srgbClr val="000000">
+                      <a:alpha val="43137"/>
+                    </a:srgbClr>
+                  </a:outerShdw>
+                </a:effectLst>
+              </a:rPr>
+              <a:t>Cleaning</a:t>
+            </a:r>
+            <a:r>
+              <a:rPr lang="pt-PT" b="1" dirty="0">
+                <a:solidFill>
+                  <a:schemeClr val="bg1"/>
+                </a:solidFill>
+                <a:effectLst>
+                  <a:outerShdw blurRad="38100" dist="38100" dir="2700000" algn="tl">
+                    <a:srgbClr val="000000">
+                      <a:alpha val="43137"/>
+                    </a:srgbClr>
+                  </a:outerShdw>
+                </a:effectLst>
+              </a:rPr>
+              <a:t> Steps</a:t>
+            </a:r>
+            <a:endParaRPr lang="en-GB" b="1" dirty="0">
+              <a:solidFill>
+                <a:schemeClr val="bg1"/>
+              </a:solidFill>
+              <a:effectLst>
+                <a:outerShdw blurRad="38100" dist="38100" dir="2700000" algn="tl">
+                  <a:srgbClr val="000000">
+                    <a:alpha val="43137"/>
+                  </a:srgbClr>
+                </a:outerShdw>
+              </a:effectLst>
+            </a:endParaRPr>
+          </a:p>
+        </p:txBody>
+      </p:sp>
+      <p:pic>
+        <p:nvPicPr>
+          <p:cNvPr id="6" name="Picture 5">
+            <a:extLst>
+              <a:ext uri="{FF2B5EF4-FFF2-40B4-BE49-F238E27FC236}">
+                <a16:creationId xmlns:a16="http://schemas.microsoft.com/office/drawing/2014/main" id="{69769013-82BA-4734-8C3B-BCF869425628}"/>
+              </a:ext>
+            </a:extLst>
+          </p:cNvPr>
+          <p:cNvPicPr>
+            <a:picLocks noChangeAspect="1"/>
+          </p:cNvPicPr>
+          <p:nvPr/>
+        </p:nvPicPr>
+        <p:blipFill>
+          <a:blip r:embed="rId2"/>
+          <a:stretch>
+            <a:fillRect/>
+          </a:stretch>
+        </p:blipFill>
+        <p:spPr>
+          <a:xfrm>
+            <a:off x="1072920" y="2725152"/>
+            <a:ext cx="3314643" cy="3767723"/>
+          </a:xfrm>
+          <a:prstGeom prst="rect">
+            <a:avLst/>
+          </a:prstGeom>
+        </p:spPr>
+      </p:pic>
+      <p:pic>
+        <p:nvPicPr>
+          <p:cNvPr id="8" name="Picture 7">
+            <a:extLst>
+              <a:ext uri="{FF2B5EF4-FFF2-40B4-BE49-F238E27FC236}">
+                <a16:creationId xmlns:a16="http://schemas.microsoft.com/office/drawing/2014/main" id="{626D752E-7AF4-42C9-8806-97254934BEAD}"/>
+              </a:ext>
+            </a:extLst>
+          </p:cNvPr>
+          <p:cNvPicPr>
+            <a:picLocks noChangeAspect="1"/>
+          </p:cNvPicPr>
+          <p:nvPr/>
+        </p:nvPicPr>
+        <p:blipFill>
+          <a:blip r:embed="rId3"/>
+          <a:stretch>
+            <a:fillRect/>
+          </a:stretch>
+        </p:blipFill>
+        <p:spPr>
+          <a:xfrm>
+            <a:off x="4778851" y="2725153"/>
+            <a:ext cx="6574950" cy="2399104"/>
+          </a:xfrm>
+          <a:prstGeom prst="rect">
+            <a:avLst/>
+          </a:prstGeom>
+        </p:spPr>
+      </p:pic>
+    </p:spTree>
+    <p:extLst>
+      <p:ext uri="{BB962C8B-B14F-4D97-AF65-F5344CB8AC3E}">
+        <p14:creationId xmlns:p14="http://schemas.microsoft.com/office/powerpoint/2010/main" val="611633365"/>
+      </p:ext>
+    </p:extLst>
+  </p:cSld>
+  <p:clrMapOvr>
+    <a:masterClrMapping/>
+  </p:clrMapOvr>
+  <p:timing>
+    <p:tnLst>
+      <p:par>
+        <p:cTn id="1" dur="indefinite" restart="never" nodeType="tmRoot">
+          <p:childTnLst>
+            <p:seq concurrent="1" nextAc="seek">
+              <p:cTn id="2" dur="indefinite" nodeType="mainSeq">
+                <p:childTnLst>
+                  <p:par>
+                    <p:cTn id="3" fill="hold">
+                      <p:stCondLst>
+                        <p:cond delay="indefinite"/>
+                      </p:stCondLst>
+                      <p:childTnLst>
+                        <p:par>
+                          <p:cTn id="4" fill="hold">
+                            <p:stCondLst>
+                              <p:cond delay="0"/>
+                            </p:stCondLst>
+                            <p:childTnLst>
+                              <p:par>
+                                <p:cTn id="5" presetID="1" presetClass="entr" presetSubtype="0" fill="hold" nodeType="clickEffect">
+                                  <p:stCondLst>
+                                    <p:cond delay="0"/>
+                                  </p:stCondLst>
+                                  <p:childTnLst>
+                                    <p:set>
+                                      <p:cBhvr>
+                                        <p:cTn id="6" dur="1" fill="hold">
+                                          <p:stCondLst>
+                                            <p:cond delay="0"/>
+                                          </p:stCondLst>
+                                        </p:cTn>
+                                        <p:tgtEl>
+                                          <p:spTgt spid="6"/>
+                                        </p:tgtEl>
+                                        <p:attrNameLst>
+                                          <p:attrName>style.visibility</p:attrName>
+                                        </p:attrNameLst>
+                                      </p:cBhvr>
+                                      <p:to>
+                                        <p:strVal val="visible"/>
+                                      </p:to>
+                                    </p:set>
+                                  </p:childTnLst>
+                                </p:cTn>
+                              </p:par>
+                            </p:childTnLst>
+                          </p:cTn>
+                        </p:par>
+                      </p:childTnLst>
+                    </p:cTn>
+                  </p:par>
+                  <p:par>
+                    <p:cTn id="7" fill="hold">
+                      <p:stCondLst>
+                        <p:cond delay="indefinite"/>
+                      </p:stCondLst>
+                      <p:childTnLst>
+                        <p:par>
+                          <p:cTn id="8" fill="hold">
+                            <p:stCondLst>
+                              <p:cond delay="0"/>
+                            </p:stCondLst>
+                            <p:childTnLst>
+                              <p:par>
+                                <p:cTn id="9" presetID="1" presetClass="entr" presetSubtype="0" fill="hold" nodeType="clickEffect">
+                                  <p:stCondLst>
+                                    <p:cond delay="0"/>
+                                  </p:stCondLst>
+                                  <p:childTnLst>
+                                    <p:set>
+                                      <p:cBhvr>
+                                        <p:cTn id="10" dur="1" fill="hold">
+                                          <p:stCondLst>
+                                            <p:cond delay="0"/>
+                                          </p:stCondLst>
+                                        </p:cTn>
+                                        <p:tgtEl>
+                                          <p:spTgt spid="8"/>
+                                        </p:tgtEl>
+                                        <p:attrNameLst>
+                                          <p:attrName>style.visibility</p:attrName>
+                                        </p:attrNameLst>
+                                      </p:cBhvr>
+                                      <p:to>
+                                        <p:strVal val="visible"/>
+                                      </p:to>
+                                    </p:set>
+                                  </p:childTnLst>
+                                </p:cTn>
+                              </p:par>
+                            </p:childTnLst>
+                          </p:cTn>
+                        </p:par>
+                      </p:childTnLst>
+                    </p:cTn>
+                  </p:par>
+                </p:childTnLst>
+              </p:cTn>
+              <p:prevCondLst>
+                <p:cond evt="onPrev" delay="0">
+                  <p:tgtEl>
+                    <p:sldTgt/>
+                  </p:tgtEl>
+                </p:cond>
+              </p:prevCondLst>
+              <p:nextCondLst>
+                <p:cond evt="onNext" delay="0">
+                  <p:tgtEl>
+                    <p:sldTgt/>
+                  </p:tgtEl>
+                </p:cond>
+              </p:nextCondLst>
+            </p:seq>
+          </p:childTnLst>
+        </p:cTn>
+      </p:par>
+    </p:tnLst>
+  </p:timing>
+</p:sld>
+</file>
+
+<file path=ppt/slides/slide9.xml><?xml version="1.0" encoding="utf-8"?>
+<p:sld xmlns:a="http://schemas.openxmlformats.org/drawingml/2006/main" xmlns:r="http://schemas.openxmlformats.org/officeDocument/2006/relationships" xmlns:p="http://schemas.openxmlformats.org/presentationml/2006/main">
+  <p:cSld>
+    <p:spTree>
+      <p:nvGrpSpPr>
+        <p:cNvPr id="1" name=""/>
+        <p:cNvGrpSpPr/>
+        <p:nvPr/>
+      </p:nvGrpSpPr>
+      <p:grpSpPr>
+        <a:xfrm>
+          <a:off x="0" y="0"/>
+          <a:ext cx="0" cy="0"/>
+          <a:chOff x="0" y="0"/>
+          <a:chExt cx="0" cy="0"/>
+        </a:xfrm>
+      </p:grpSpPr>
+      <p:sp>
+        <p:nvSpPr>
+          <p:cNvPr id="3" name="Content Placeholder 2">
+            <a:extLst>
+              <a:ext uri="{FF2B5EF4-FFF2-40B4-BE49-F238E27FC236}">
+                <a16:creationId xmlns:a16="http://schemas.microsoft.com/office/drawing/2014/main" id="{1079954E-45B5-4651-83E1-483711026003}"/>
+              </a:ext>
+            </a:extLst>
+          </p:cNvPr>
+          <p:cNvSpPr>
+            <a:spLocks noGrp="1"/>
+          </p:cNvSpPr>
+          <p:nvPr>
+            <p:ph idx="1"/>
+          </p:nvPr>
+        </p:nvSpPr>
+        <p:spPr/>
+        <p:txBody>
+          <a:bodyPr/>
+          <a:lstStyle/>
+          <a:p>
+            <a:r>
+              <a:rPr lang="pt-PT" dirty="0"/>
+              <a:t>Price </a:t>
+            </a:r>
+            <a:r>
+              <a:rPr lang="pt-PT" dirty="0" err="1"/>
+              <a:t>Binnings</a:t>
+            </a:r>
+            <a:r>
+              <a:rPr lang="pt-PT" dirty="0"/>
+              <a:t>;</a:t>
+            </a:r>
+          </a:p>
+          <a:p>
+            <a:endParaRPr lang="pt-PT" dirty="0"/>
+          </a:p>
+          <a:p>
+            <a:r>
+              <a:rPr lang="pt-PT" dirty="0" err="1"/>
+              <a:t>Correlations</a:t>
+            </a:r>
+            <a:r>
+              <a:rPr lang="pt-PT" dirty="0"/>
+              <a:t> </a:t>
+            </a:r>
+            <a:r>
+              <a:rPr lang="pt-PT" dirty="0" err="1"/>
+              <a:t>between</a:t>
+            </a:r>
+            <a:r>
+              <a:rPr lang="pt-PT" dirty="0"/>
+              <a:t> </a:t>
+            </a:r>
+            <a:r>
+              <a:rPr lang="pt-PT" dirty="0" err="1"/>
+              <a:t>the</a:t>
+            </a:r>
+            <a:r>
+              <a:rPr lang="pt-PT" dirty="0"/>
+              <a:t> </a:t>
+            </a:r>
+            <a:r>
+              <a:rPr lang="pt-PT" dirty="0" err="1"/>
+              <a:t>number</a:t>
+            </a:r>
+            <a:r>
+              <a:rPr lang="pt-PT" dirty="0"/>
+              <a:t> </a:t>
+            </a:r>
+            <a:r>
+              <a:rPr lang="pt-PT" dirty="0" err="1"/>
+              <a:t>of</a:t>
+            </a:r>
+            <a:r>
+              <a:rPr lang="pt-PT" dirty="0"/>
+              <a:t> </a:t>
+            </a:r>
+            <a:r>
+              <a:rPr lang="pt-PT" dirty="0" err="1"/>
+              <a:t>reviews</a:t>
+            </a:r>
+            <a:r>
+              <a:rPr lang="pt-PT" dirty="0"/>
+              <a:t> </a:t>
+            </a:r>
+            <a:r>
+              <a:rPr lang="pt-PT" dirty="0" err="1"/>
+              <a:t>and</a:t>
+            </a:r>
+            <a:r>
+              <a:rPr lang="pt-PT" dirty="0"/>
+              <a:t> </a:t>
+            </a:r>
+            <a:r>
+              <a:rPr lang="pt-PT" dirty="0" err="1"/>
+              <a:t>the</a:t>
+            </a:r>
+            <a:r>
+              <a:rPr lang="pt-PT" dirty="0"/>
+              <a:t> </a:t>
+            </a:r>
+            <a:r>
+              <a:rPr lang="pt-PT" dirty="0" err="1"/>
+              <a:t>prices</a:t>
+            </a:r>
+            <a:r>
+              <a:rPr lang="pt-PT" dirty="0"/>
+              <a:t>;</a:t>
+            </a:r>
+          </a:p>
+          <a:p>
+            <a:endParaRPr lang="pt-PT" dirty="0"/>
+          </a:p>
+          <a:p>
+            <a:r>
+              <a:rPr lang="en-GB" dirty="0"/>
+              <a:t>Calculate average discount applied to the products and check the impact on the number of reviews and stock;</a:t>
+            </a:r>
+          </a:p>
+          <a:p>
+            <a:endParaRPr lang="en-GB" dirty="0"/>
+          </a:p>
+        </p:txBody>
+      </p:sp>
+      <p:sp>
+        <p:nvSpPr>
+          <p:cNvPr id="4" name="Title 1">
+            <a:extLst>
+              <a:ext uri="{FF2B5EF4-FFF2-40B4-BE49-F238E27FC236}">
+                <a16:creationId xmlns:a16="http://schemas.microsoft.com/office/drawing/2014/main" id="{84568331-0E1E-40B6-8A22-D007A2CC0CBF}"/>
+              </a:ext>
+            </a:extLst>
+          </p:cNvPr>
+          <p:cNvSpPr>
+            <a:spLocks noGrp="1"/>
+          </p:cNvSpPr>
+          <p:nvPr>
+            <p:ph type="title"/>
+          </p:nvPr>
+        </p:nvSpPr>
+        <p:spPr>
+          <a:xfrm>
+            <a:off x="838200" y="365125"/>
+            <a:ext cx="10515600" cy="1325563"/>
+          </a:xfrm>
+          <a:solidFill>
+            <a:schemeClr val="accent2"/>
+          </a:solidFill>
+        </p:spPr>
+        <p:txBody>
+          <a:bodyPr/>
+          <a:lstStyle/>
+          <a:p>
+            <a:r>
+              <a:rPr lang="pt-PT" b="1" dirty="0">
+                <a:solidFill>
+                  <a:schemeClr val="bg1"/>
+                </a:solidFill>
+                <a:effectLst>
+                  <a:outerShdw blurRad="38100" dist="38100" dir="2700000" algn="tl">
+                    <a:srgbClr val="000000">
+                      <a:alpha val="43137"/>
+                    </a:srgbClr>
+                  </a:outerShdw>
+                </a:effectLst>
+              </a:rPr>
+              <a:t>Data </a:t>
+            </a:r>
+            <a:r>
+              <a:rPr lang="pt-PT" b="1" dirty="0" err="1">
+                <a:solidFill>
+                  <a:schemeClr val="bg1"/>
+                </a:solidFill>
+                <a:effectLst>
+                  <a:outerShdw blurRad="38100" dist="38100" dir="2700000" algn="tl">
+                    <a:srgbClr val="000000">
+                      <a:alpha val="43137"/>
+                    </a:srgbClr>
+                  </a:outerShdw>
+                </a:effectLst>
+              </a:rPr>
+              <a:t>Potential</a:t>
+            </a:r>
+            <a:endParaRPr lang="en-GB" b="1" dirty="0">
+              <a:solidFill>
+                <a:schemeClr val="bg1"/>
+              </a:solidFill>
+              <a:effectLst>
+                <a:outerShdw blurRad="38100" dist="38100" dir="2700000" algn="tl">
+                  <a:srgbClr val="000000">
+                    <a:alpha val="43137"/>
+                  </a:srgbClr>
+                </a:outerShdw>
+              </a:effectLst>
+            </a:endParaRPr>
+          </a:p>
+        </p:txBody>
+      </p:sp>
+    </p:spTree>
+    <p:extLst>
+      <p:ext uri="{BB962C8B-B14F-4D97-AF65-F5344CB8AC3E}">
+        <p14:creationId xmlns:p14="http://schemas.microsoft.com/office/powerpoint/2010/main" val="2289925252"/>
+      </p:ext>
+    </p:extLst>
+  </p:cSld>
+  <p:clrMapOvr>
+    <a:masterClrMapping/>
+  </p:clrMapOvr>
+  <p:timing>
+    <p:tnLst>
+      <p:par>
+        <p:cTn id="1" dur="indefinite" restart="never" nodeType="tmRoot">
+          <p:childTnLst>
+            <p:seq concurrent="1" nextAc="seek">
+              <p:cTn id="2" dur="indefinite" nodeType="mainSeq">
+                <p:childTnLst>
+                  <p:par>
+                    <p:cTn id="3" fill="hold">
+                      <p:stCondLst>
+                        <p:cond delay="indefinite"/>
+                      </p:stCondLst>
+                      <p:childTnLst>
+                        <p:par>
+                          <p:cTn id="4" fill="hold">
+                            <p:stCondLst>
+                              <p:cond delay="0"/>
+                            </p:stCondLst>
+                            <p:childTnLst>
+                              <p:par>
+                                <p:cTn id="5" presetID="1" presetClass="entr" presetSubtype="0" fill="hold" grpId="0" nodeType="clickEffect">
+                                  <p:stCondLst>
+                                    <p:cond delay="0"/>
+                                  </p:stCondLst>
+                                  <p:childTnLst>
+                                    <p:set>
+                                      <p:cBhvr>
+                                        <p:cTn id="6" dur="1" fill="hold">
+                                          <p:stCondLst>
+                                            <p:cond delay="0"/>
+                                          </p:stCondLst>
+                                        </p:cTn>
+                                        <p:tgtEl>
+                                          <p:spTgt spid="3">
+                                            <p:txEl>
+                                              <p:pRg st="0" end="0"/>
+                                            </p:txEl>
+                                          </p:spTgt>
+                                        </p:tgtEl>
+                                        <p:attrNameLst>
+                                          <p:attrName>style.visibility</p:attrName>
+                                        </p:attrNameLst>
+                                      </p:cBhvr>
+                                      <p:to>
+                                        <p:strVal val="visible"/>
+                                      </p:to>
+                                    </p:set>
+                                  </p:childTnLst>
+                                </p:cTn>
+                              </p:par>
+                            </p:childTnLst>
+                          </p:cTn>
+                        </p:par>
+                      </p:childTnLst>
+                    </p:cTn>
+                  </p:par>
+                  <p:par>
+                    <p:cTn id="7" fill="hold">
+                      <p:stCondLst>
+                        <p:cond delay="indefinite"/>
+                      </p:stCondLst>
+                      <p:childTnLst>
+                        <p:par>
+                          <p:cTn id="8" fill="hold">
+                            <p:stCondLst>
+                              <p:cond delay="0"/>
+                            </p:stCondLst>
+                            <p:childTnLst>
+                              <p:par>
+                                <p:cTn id="9" presetID="1" presetClass="entr" presetSubtype="0" fill="hold" grpId="0" nodeType="clickEffect">
+                                  <p:stCondLst>
+                                    <p:cond delay="0"/>
+                                  </p:stCondLst>
+                                  <p:childTnLst>
+                                    <p:set>
+                                      <p:cBhvr>
+                                        <p:cTn id="10" dur="1" fill="hold">
+                                          <p:stCondLst>
+                                            <p:cond delay="0"/>
+                                          </p:stCondLst>
+                                        </p:cTn>
+                                        <p:tgtEl>
+                                          <p:spTgt spid="3">
+                                            <p:txEl>
+                                              <p:pRg st="2" end="2"/>
+                                            </p:txEl>
+                                          </p:spTgt>
+                                        </p:tgtEl>
+                                        <p:attrNameLst>
+                                          <p:attrName>style.visibility</p:attrName>
+                                        </p:attrNameLst>
+                                      </p:cBhvr>
+                                      <p:to>
+                                        <p:strVal val="visible"/>
+                                      </p:to>
+                                    </p:set>
+                                  </p:childTnLst>
+                                </p:cTn>
+                              </p:par>
+                            </p:childTnLst>
+                          </p:cTn>
+                        </p:par>
+                      </p:childTnLst>
+                    </p:cTn>
+                  </p:par>
+                  <p:par>
+                    <p:cTn id="11" fill="hold">
+                      <p:stCondLst>
+                        <p:cond delay="indefinite"/>
+                      </p:stCondLst>
+                      <p:childTnLst>
+                        <p:par>
+                          <p:cTn id="12" fill="hold">
+                            <p:stCondLst>
+                              <p:cond delay="0"/>
+                            </p:stCondLst>
+                            <p:childTnLst>
+                              <p:par>
+                                <p:cTn id="13" presetID="1" presetClass="entr" presetSubtype="0" fill="hold" grpId="0" nodeType="clickEffect">
+                                  <p:stCondLst>
+                                    <p:cond delay="0"/>
+                                  </p:stCondLst>
+                                  <p:childTnLst>
+                                    <p:set>
+                                      <p:cBhvr>
+                                        <p:cTn id="14" dur="1" fill="hold">
+                                          <p:stCondLst>
+                                            <p:cond delay="0"/>
+                                          </p:stCondLst>
+                                        </p:cTn>
+                                        <p:tgtEl>
+                                          <p:spTgt spid="3">
                                             <p:txEl>
                                               <p:pRg st="4" end="4"/>
                                             </p:txEl>
